--- a/assets/docs/PortraitReactables.pptx
+++ b/assets/docs/PortraitReactables.pptx
@@ -4644,12 +4644,8 @@
           <a:p>
             <a:pPr algn="ctr"/>
             <a:r>
-              <a:rPr lang="en-CA" dirty="0" err="1"/>
-              <a:t>fetchTodosEffect</a:t>
-            </a:r>
-            <a:r>
               <a:rPr lang="en-CA" dirty="0"/>
-              <a:t>$</a:t>
+              <a:t>fetchTodosEffect$</a:t>
             </a:r>
           </a:p>
         </p:txBody>

--- a/assets/docs/PortraitReactables.pptx
+++ b/assets/docs/PortraitReactables.pptx
@@ -5,9 +5,10 @@
     <p:sldMasterId id="2147483660" r:id="rId1"/>
   </p:sldMasterIdLst>
   <p:sldIdLst>
-    <p:sldId id="256" r:id="rId2"/>
-    <p:sldId id="257" r:id="rId3"/>
-    <p:sldId id="258" r:id="rId4"/>
+    <p:sldId id="259" r:id="rId2"/>
+    <p:sldId id="256" r:id="rId3"/>
+    <p:sldId id="257" r:id="rId4"/>
+    <p:sldId id="258" r:id="rId5"/>
   </p:sldIdLst>
   <p:sldSz cx="6858000" cy="12192000"/>
   <p:notesSz cx="6858000" cy="9144000"/>
@@ -394,7 +395,7 @@
           <a:p>
             <a:fld id="{99F6DC6B-F72F-40BA-BB30-FF707BB1A3A2}" type="datetimeFigureOut">
               <a:rPr lang="en-CA" smtClean="0"/>
-              <a:t>2024-07-27</a:t>
+              <a:t>2024-08-03</a:t>
             </a:fld>
             <a:endParaRPr lang="en-CA"/>
           </a:p>
@@ -564,7 +565,7 @@
           <a:p>
             <a:fld id="{99F6DC6B-F72F-40BA-BB30-FF707BB1A3A2}" type="datetimeFigureOut">
               <a:rPr lang="en-CA" smtClean="0"/>
-              <a:t>2024-07-27</a:t>
+              <a:t>2024-08-03</a:t>
             </a:fld>
             <a:endParaRPr lang="en-CA"/>
           </a:p>
@@ -744,7 +745,7 @@
           <a:p>
             <a:fld id="{99F6DC6B-F72F-40BA-BB30-FF707BB1A3A2}" type="datetimeFigureOut">
               <a:rPr lang="en-CA" smtClean="0"/>
-              <a:t>2024-07-27</a:t>
+              <a:t>2024-08-03</a:t>
             </a:fld>
             <a:endParaRPr lang="en-CA"/>
           </a:p>
@@ -914,7 +915,7 @@
           <a:p>
             <a:fld id="{99F6DC6B-F72F-40BA-BB30-FF707BB1A3A2}" type="datetimeFigureOut">
               <a:rPr lang="en-CA" smtClean="0"/>
-              <a:t>2024-07-27</a:t>
+              <a:t>2024-08-03</a:t>
             </a:fld>
             <a:endParaRPr lang="en-CA"/>
           </a:p>
@@ -1160,7 +1161,7 @@
           <a:p>
             <a:fld id="{99F6DC6B-F72F-40BA-BB30-FF707BB1A3A2}" type="datetimeFigureOut">
               <a:rPr lang="en-CA" smtClean="0"/>
-              <a:t>2024-07-27</a:t>
+              <a:t>2024-08-03</a:t>
             </a:fld>
             <a:endParaRPr lang="en-CA"/>
           </a:p>
@@ -1392,7 +1393,7 @@
           <a:p>
             <a:fld id="{99F6DC6B-F72F-40BA-BB30-FF707BB1A3A2}" type="datetimeFigureOut">
               <a:rPr lang="en-CA" smtClean="0"/>
-              <a:t>2024-07-27</a:t>
+              <a:t>2024-08-03</a:t>
             </a:fld>
             <a:endParaRPr lang="en-CA"/>
           </a:p>
@@ -1759,7 +1760,7 @@
           <a:p>
             <a:fld id="{99F6DC6B-F72F-40BA-BB30-FF707BB1A3A2}" type="datetimeFigureOut">
               <a:rPr lang="en-CA" smtClean="0"/>
-              <a:t>2024-07-27</a:t>
+              <a:t>2024-08-03</a:t>
             </a:fld>
             <a:endParaRPr lang="en-CA"/>
           </a:p>
@@ -1877,7 +1878,7 @@
           <a:p>
             <a:fld id="{99F6DC6B-F72F-40BA-BB30-FF707BB1A3A2}" type="datetimeFigureOut">
               <a:rPr lang="en-CA" smtClean="0"/>
-              <a:t>2024-07-27</a:t>
+              <a:t>2024-08-03</a:t>
             </a:fld>
             <a:endParaRPr lang="en-CA"/>
           </a:p>
@@ -1972,7 +1973,7 @@
           <a:p>
             <a:fld id="{99F6DC6B-F72F-40BA-BB30-FF707BB1A3A2}" type="datetimeFigureOut">
               <a:rPr lang="en-CA" smtClean="0"/>
-              <a:t>2024-07-27</a:t>
+              <a:t>2024-08-03</a:t>
             </a:fld>
             <a:endParaRPr lang="en-CA"/>
           </a:p>
@@ -2249,7 +2250,7 @@
           <a:p>
             <a:fld id="{99F6DC6B-F72F-40BA-BB30-FF707BB1A3A2}" type="datetimeFigureOut">
               <a:rPr lang="en-CA" smtClean="0"/>
-              <a:t>2024-07-27</a:t>
+              <a:t>2024-08-03</a:t>
             </a:fld>
             <a:endParaRPr lang="en-CA"/>
           </a:p>
@@ -2506,7 +2507,7 @@
           <a:p>
             <a:fld id="{99F6DC6B-F72F-40BA-BB30-FF707BB1A3A2}" type="datetimeFigureOut">
               <a:rPr lang="en-CA" smtClean="0"/>
-              <a:t>2024-07-27</a:t>
+              <a:t>2024-08-03</a:t>
             </a:fld>
             <a:endParaRPr lang="en-CA"/>
           </a:p>
@@ -2719,7 +2720,7 @@
           <a:p>
             <a:fld id="{99F6DC6B-F72F-40BA-BB30-FF707BB1A3A2}" type="datetimeFigureOut">
               <a:rPr lang="en-CA" smtClean="0"/>
-              <a:t>2024-07-27</a:t>
+              <a:t>2024-08-03</a:t>
             </a:fld>
             <a:endParaRPr lang="en-CA"/>
           </a:p>
@@ -3126,10 +3127,10 @@
       </p:grpSpPr>
       <p:pic>
         <p:nvPicPr>
-          <p:cNvPr id="39" name="Picture 38" descr="A black circle with a black background&#10;&#10;Description automatically generated">
+          <p:cNvPr id="4" name="Picture 3" descr="A blue circle with a white background&#10;&#10;Description automatically generated">
             <a:extLst>
               <a:ext uri="{FF2B5EF4-FFF2-40B4-BE49-F238E27FC236}">
-                <a16:creationId xmlns:a16="http://schemas.microsoft.com/office/drawing/2014/main" id="{4C98DDF9-B3B4-7721-1784-C014C3FBFE2D}"/>
+                <a16:creationId xmlns:a16="http://schemas.microsoft.com/office/drawing/2014/main" id="{B9DD912B-9D99-6489-E0FF-C4F7BBF95914}"/>
               </a:ext>
             </a:extLst>
           </p:cNvPr>
@@ -3152,121 +3153,20 @@
         </p:blipFill>
         <p:spPr>
           <a:xfrm>
-            <a:off x="320093" y="334657"/>
-            <a:ext cx="6270443" cy="8042888"/>
+            <a:off x="430140" y="702731"/>
+            <a:ext cx="6106542" cy="7729598"/>
           </a:xfrm>
           <a:prstGeom prst="rect">
             <a:avLst/>
           </a:prstGeom>
         </p:spPr>
       </p:pic>
-      <p:cxnSp>
-        <p:nvCxnSpPr>
-          <p:cNvPr id="4" name="Straight Arrow Connector 3">
+      <p:sp>
+        <p:nvSpPr>
+          <p:cNvPr id="5" name="TextBox 4">
             <a:extLst>
               <a:ext uri="{FF2B5EF4-FFF2-40B4-BE49-F238E27FC236}">
-                <a16:creationId xmlns:a16="http://schemas.microsoft.com/office/drawing/2014/main" id="{8BDD2D60-ACB1-836E-F378-E0439B6FF251}"/>
-              </a:ext>
-            </a:extLst>
-          </p:cNvPr>
-          <p:cNvCxnSpPr>
-            <a:cxnSpLocks/>
-            <a:endCxn id="5" idx="0"/>
-          </p:cNvCxnSpPr>
-          <p:nvPr/>
-        </p:nvCxnSpPr>
-        <p:spPr>
-          <a:xfrm>
-            <a:off x="3458851" y="3295650"/>
-            <a:ext cx="0" cy="4037268"/>
-          </a:xfrm>
-          <a:prstGeom prst="straightConnector1">
-            <a:avLst/>
-          </a:prstGeom>
-          <a:ln w="57150">
-            <a:tailEnd type="arrow"/>
-          </a:ln>
-        </p:spPr>
-        <p:style>
-          <a:lnRef idx="1">
-            <a:schemeClr val="accent1"/>
-          </a:lnRef>
-          <a:fillRef idx="0">
-            <a:schemeClr val="accent1"/>
-          </a:fillRef>
-          <a:effectRef idx="0">
-            <a:schemeClr val="accent1"/>
-          </a:effectRef>
-          <a:fontRef idx="minor">
-            <a:schemeClr val="tx1"/>
-          </a:fontRef>
-        </p:style>
-      </p:cxnSp>
-      <p:sp>
-        <p:nvSpPr>
-          <p:cNvPr id="5" name="Rectangle: Rounded Corners 4">
-            <a:extLst>
-              <a:ext uri="{FF2B5EF4-FFF2-40B4-BE49-F238E27FC236}">
-                <a16:creationId xmlns:a16="http://schemas.microsoft.com/office/drawing/2014/main" id="{D23383F2-FF63-DEB0-708B-E78E87D18F0C}"/>
-              </a:ext>
-            </a:extLst>
-          </p:cNvPr>
-          <p:cNvSpPr/>
-          <p:nvPr/>
-        </p:nvSpPr>
-        <p:spPr>
-          <a:xfrm>
-            <a:off x="2644780" y="7332918"/>
-            <a:ext cx="1628141" cy="431015"/>
-          </a:xfrm>
-          <a:prstGeom prst="roundRect">
-            <a:avLst/>
-          </a:prstGeom>
-          <a:solidFill>
-            <a:schemeClr val="accent4">
-              <a:lumMod val="20000"/>
-              <a:lumOff val="80000"/>
-            </a:schemeClr>
-          </a:solidFill>
-        </p:spPr>
-        <p:style>
-          <a:lnRef idx="2">
-            <a:schemeClr val="accent1">
-              <a:shade val="15000"/>
-            </a:schemeClr>
-          </a:lnRef>
-          <a:fillRef idx="1">
-            <a:schemeClr val="accent1"/>
-          </a:fillRef>
-          <a:effectRef idx="0">
-            <a:schemeClr val="accent1"/>
-          </a:effectRef>
-          <a:fontRef idx="minor">
-            <a:schemeClr val="lt1"/>
-          </a:fontRef>
-        </p:style>
-        <p:txBody>
-          <a:bodyPr rtlCol="0" anchor="ctr"/>
-          <a:lstStyle/>
-          <a:p>
-            <a:pPr algn="ctr"/>
-            <a:r>
-              <a:rPr lang="en-CA" sz="2400" dirty="0">
-                <a:solidFill>
-                  <a:schemeClr val="tx1"/>
-                </a:solidFill>
-              </a:rPr>
-              <a:t>Store</a:t>
-            </a:r>
-          </a:p>
-        </p:txBody>
-      </p:sp>
-      <p:sp>
-        <p:nvSpPr>
-          <p:cNvPr id="7" name="TextBox 6">
-            <a:extLst>
-              <a:ext uri="{FF2B5EF4-FFF2-40B4-BE49-F238E27FC236}">
-                <a16:creationId xmlns:a16="http://schemas.microsoft.com/office/drawing/2014/main" id="{B92C4E19-132C-2F3F-F766-22C0A4505920}"/>
+                <a16:creationId xmlns:a16="http://schemas.microsoft.com/office/drawing/2014/main" id="{CFEA6441-B731-32A7-1936-23F2C241FE27}"/>
               </a:ext>
             </a:extLst>
           </p:cNvPr>
@@ -3275,376 +3175,8 @@
         </p:nvSpPr>
         <p:spPr>
           <a:xfrm>
-            <a:off x="4174135" y="4430292"/>
-            <a:ext cx="873760" cy="954107"/>
-          </a:xfrm>
-          <a:prstGeom prst="rect">
-            <a:avLst/>
-          </a:prstGeom>
-          <a:noFill/>
-        </p:spPr>
-        <p:txBody>
-          <a:bodyPr wrap="square" rtlCol="0">
-            <a:spAutoFit/>
-          </a:bodyPr>
-          <a:lstStyle/>
-          <a:p>
-            <a:r>
-              <a:rPr lang="en-CA" sz="2800" dirty="0"/>
-              <a:t>Hub</a:t>
-            </a:r>
-          </a:p>
-          <a:p>
-            <a:endParaRPr lang="en-CA" sz="2800" dirty="0"/>
-          </a:p>
-        </p:txBody>
-      </p:sp>
-      <p:sp>
-        <p:nvSpPr>
-          <p:cNvPr id="8" name="Oval 7">
-            <a:extLst>
-              <a:ext uri="{FF2B5EF4-FFF2-40B4-BE49-F238E27FC236}">
-                <a16:creationId xmlns:a16="http://schemas.microsoft.com/office/drawing/2014/main" id="{C4E1D685-7FD0-AFE6-41E0-77B7B5DB5272}"/>
-              </a:ext>
-            </a:extLst>
-          </p:cNvPr>
-          <p:cNvSpPr/>
-          <p:nvPr/>
-        </p:nvSpPr>
-        <p:spPr>
-          <a:xfrm>
-            <a:off x="1587833" y="3549650"/>
-            <a:ext cx="3777918" cy="3438037"/>
-          </a:xfrm>
-          <a:prstGeom prst="ellipse">
-            <a:avLst/>
-          </a:prstGeom>
-          <a:noFill/>
-          <a:ln w="38100">
-            <a:prstDash val="lgDash"/>
-          </a:ln>
-        </p:spPr>
-        <p:style>
-          <a:lnRef idx="2">
-            <a:schemeClr val="accent1">
-              <a:shade val="15000"/>
-            </a:schemeClr>
-          </a:lnRef>
-          <a:fillRef idx="1">
-            <a:schemeClr val="accent1"/>
-          </a:fillRef>
-          <a:effectRef idx="0">
-            <a:schemeClr val="accent1"/>
-          </a:effectRef>
-          <a:fontRef idx="minor">
-            <a:schemeClr val="lt1"/>
-          </a:fontRef>
-        </p:style>
-        <p:txBody>
-          <a:bodyPr rtlCol="0" anchor="ctr"/>
-          <a:lstStyle/>
-          <a:p>
-            <a:pPr algn="ctr"/>
-            <a:endParaRPr lang="en-CA"/>
-          </a:p>
-        </p:txBody>
-      </p:sp>
-      <p:sp>
-        <p:nvSpPr>
-          <p:cNvPr id="9" name="Oval 8">
-            <a:extLst>
-              <a:ext uri="{FF2B5EF4-FFF2-40B4-BE49-F238E27FC236}">
-                <a16:creationId xmlns:a16="http://schemas.microsoft.com/office/drawing/2014/main" id="{8A66EBB0-FD5E-873F-1AC8-EED5FD7DC530}"/>
-              </a:ext>
-            </a:extLst>
-          </p:cNvPr>
-          <p:cNvSpPr/>
-          <p:nvPr/>
-        </p:nvSpPr>
-        <p:spPr>
-          <a:xfrm>
-            <a:off x="3255652" y="6371255"/>
-            <a:ext cx="406398" cy="406398"/>
-          </a:xfrm>
-          <a:prstGeom prst="ellipse">
-            <a:avLst/>
-          </a:prstGeom>
-          <a:solidFill>
-            <a:schemeClr val="accent2">
-              <a:lumMod val="40000"/>
-              <a:lumOff val="60000"/>
-            </a:schemeClr>
-          </a:solidFill>
-        </p:spPr>
-        <p:style>
-          <a:lnRef idx="2">
-            <a:schemeClr val="accent1">
-              <a:shade val="15000"/>
-            </a:schemeClr>
-          </a:lnRef>
-          <a:fillRef idx="1">
-            <a:schemeClr val="accent1"/>
-          </a:fillRef>
-          <a:effectRef idx="0">
-            <a:schemeClr val="accent1"/>
-          </a:effectRef>
-          <a:fontRef idx="minor">
-            <a:schemeClr val="lt1"/>
-          </a:fontRef>
-        </p:style>
-        <p:txBody>
-          <a:bodyPr rtlCol="0" anchor="ctr"/>
-          <a:lstStyle/>
-          <a:p>
-            <a:pPr algn="ctr"/>
-            <a:endParaRPr lang="en-CA"/>
-          </a:p>
-        </p:txBody>
-      </p:sp>
-      <p:sp>
-        <p:nvSpPr>
-          <p:cNvPr id="11" name="TextBox 10">
-            <a:extLst>
-              <a:ext uri="{FF2B5EF4-FFF2-40B4-BE49-F238E27FC236}">
-                <a16:creationId xmlns:a16="http://schemas.microsoft.com/office/drawing/2014/main" id="{FF16902C-56CF-A6E1-A9C6-742A4858AA25}"/>
-              </a:ext>
-            </a:extLst>
-          </p:cNvPr>
-          <p:cNvSpPr txBox="1"/>
-          <p:nvPr/>
-        </p:nvSpPr>
-        <p:spPr>
-          <a:xfrm>
-            <a:off x="2708269" y="3318401"/>
-            <a:ext cx="1381761" cy="369332"/>
-          </a:xfrm>
-          <a:prstGeom prst="rect">
-            <a:avLst/>
-          </a:prstGeom>
-          <a:solidFill>
-            <a:schemeClr val="bg1"/>
-          </a:solidFill>
-          <a:ln>
-            <a:solidFill>
-              <a:schemeClr val="accent1">
-                <a:shade val="15000"/>
-              </a:schemeClr>
-            </a:solidFill>
-          </a:ln>
-        </p:spPr>
-        <p:txBody>
-          <a:bodyPr wrap="square" rtlCol="0">
-            <a:spAutoFit/>
-          </a:bodyPr>
-          <a:lstStyle/>
-          <a:p>
-            <a:pPr algn="ctr"/>
-            <a:r>
-              <a:rPr lang="en-CA" dirty="0"/>
-              <a:t>dispatcher$</a:t>
-            </a:r>
-          </a:p>
-        </p:txBody>
-      </p:sp>
-      <p:cxnSp>
-        <p:nvCxnSpPr>
-          <p:cNvPr id="12" name="Straight Arrow Connector 11">
-            <a:extLst>
-              <a:ext uri="{FF2B5EF4-FFF2-40B4-BE49-F238E27FC236}">
-                <a16:creationId xmlns:a16="http://schemas.microsoft.com/office/drawing/2014/main" id="{B754B732-AE1C-7FD3-F465-645BBC887637}"/>
-              </a:ext>
-            </a:extLst>
-          </p:cNvPr>
-          <p:cNvCxnSpPr>
-            <a:cxnSpLocks/>
-            <a:stCxn id="10" idx="3"/>
-            <a:endCxn id="9" idx="2"/>
-          </p:cNvCxnSpPr>
-          <p:nvPr/>
-        </p:nvCxnSpPr>
-        <p:spPr>
-          <a:xfrm>
-            <a:off x="2813394" y="4722679"/>
-            <a:ext cx="442258" cy="1851775"/>
-          </a:xfrm>
-          <a:prstGeom prst="straightConnector1">
-            <a:avLst/>
-          </a:prstGeom>
-          <a:ln w="31750">
-            <a:solidFill>
-              <a:schemeClr val="tx1"/>
-            </a:solidFill>
-            <a:tailEnd type="triangle"/>
-          </a:ln>
-        </p:spPr>
-        <p:style>
-          <a:lnRef idx="1">
-            <a:schemeClr val="accent1"/>
-          </a:lnRef>
-          <a:fillRef idx="0">
-            <a:schemeClr val="accent1"/>
-          </a:fillRef>
-          <a:effectRef idx="0">
-            <a:schemeClr val="accent1"/>
-          </a:effectRef>
-          <a:fontRef idx="minor">
-            <a:schemeClr val="tx1"/>
-          </a:fontRef>
-        </p:style>
-      </p:cxnSp>
-      <p:sp>
-        <p:nvSpPr>
-          <p:cNvPr id="14" name="Oval 13">
-            <a:extLst>
-              <a:ext uri="{FF2B5EF4-FFF2-40B4-BE49-F238E27FC236}">
-                <a16:creationId xmlns:a16="http://schemas.microsoft.com/office/drawing/2014/main" id="{23260147-9DC7-07E6-57DB-4B45DFDC54F8}"/>
-              </a:ext>
-            </a:extLst>
-          </p:cNvPr>
-          <p:cNvSpPr/>
-          <p:nvPr/>
-        </p:nvSpPr>
-        <p:spPr>
-          <a:xfrm>
-            <a:off x="3280212" y="4704146"/>
-            <a:ext cx="406398" cy="406398"/>
-          </a:xfrm>
-          <a:prstGeom prst="ellipse">
-            <a:avLst/>
-          </a:prstGeom>
-          <a:solidFill>
-            <a:schemeClr val="bg2"/>
-          </a:solidFill>
-        </p:spPr>
-        <p:style>
-          <a:lnRef idx="2">
-            <a:schemeClr val="accent1">
-              <a:shade val="15000"/>
-            </a:schemeClr>
-          </a:lnRef>
-          <a:fillRef idx="1">
-            <a:schemeClr val="accent1"/>
-          </a:fillRef>
-          <a:effectRef idx="0">
-            <a:schemeClr val="accent1"/>
-          </a:effectRef>
-          <a:fontRef idx="minor">
-            <a:schemeClr val="lt1"/>
-          </a:fontRef>
-        </p:style>
-        <p:txBody>
-          <a:bodyPr rtlCol="0" anchor="ctr"/>
-          <a:lstStyle/>
-          <a:p>
-            <a:pPr algn="ctr"/>
-            <a:endParaRPr lang="en-CA"/>
-          </a:p>
-        </p:txBody>
-      </p:sp>
-      <p:cxnSp>
-        <p:nvCxnSpPr>
-          <p:cNvPr id="34" name="Straight Arrow Connector 33">
-            <a:extLst>
-              <a:ext uri="{FF2B5EF4-FFF2-40B4-BE49-F238E27FC236}">
-                <a16:creationId xmlns:a16="http://schemas.microsoft.com/office/drawing/2014/main" id="{9F80D701-C75D-A724-6685-FEBBC5E52705}"/>
-              </a:ext>
-            </a:extLst>
-          </p:cNvPr>
-          <p:cNvCxnSpPr>
-            <a:cxnSpLocks/>
-            <a:stCxn id="10" idx="3"/>
-            <a:endCxn id="14" idx="2"/>
-          </p:cNvCxnSpPr>
-          <p:nvPr/>
-        </p:nvCxnSpPr>
-        <p:spPr>
-          <a:xfrm>
-            <a:off x="2813394" y="4722679"/>
-            <a:ext cx="466818" cy="184666"/>
-          </a:xfrm>
-          <a:prstGeom prst="straightConnector1">
-            <a:avLst/>
-          </a:prstGeom>
-          <a:ln w="31750">
-            <a:solidFill>
-              <a:schemeClr val="tx1"/>
-            </a:solidFill>
-            <a:tailEnd type="triangle"/>
-          </a:ln>
-        </p:spPr>
-        <p:style>
-          <a:lnRef idx="1">
-            <a:schemeClr val="accent1"/>
-          </a:lnRef>
-          <a:fillRef idx="0">
-            <a:schemeClr val="accent1"/>
-          </a:fillRef>
-          <a:effectRef idx="0">
-            <a:schemeClr val="accent1"/>
-          </a:effectRef>
-          <a:fontRef idx="minor">
-            <a:schemeClr val="tx1"/>
-          </a:fontRef>
-        </p:style>
-      </p:cxnSp>
-      <p:sp>
-        <p:nvSpPr>
-          <p:cNvPr id="10" name="TextBox 9">
-            <a:extLst>
-              <a:ext uri="{FF2B5EF4-FFF2-40B4-BE49-F238E27FC236}">
-                <a16:creationId xmlns:a16="http://schemas.microsoft.com/office/drawing/2014/main" id="{E329CD5C-7936-3E3D-F2FF-53332DA148C5}"/>
-              </a:ext>
-            </a:extLst>
-          </p:cNvPr>
-          <p:cNvSpPr txBox="1"/>
-          <p:nvPr/>
-        </p:nvSpPr>
-        <p:spPr>
-          <a:xfrm>
-            <a:off x="1837405" y="4538013"/>
-            <a:ext cx="975989" cy="369332"/>
-          </a:xfrm>
-          <a:prstGeom prst="rect">
-            <a:avLst/>
-          </a:prstGeom>
-          <a:solidFill>
-            <a:schemeClr val="bg1"/>
-          </a:solidFill>
-          <a:ln>
-            <a:solidFill>
-              <a:schemeClr val="tx1"/>
-            </a:solidFill>
-          </a:ln>
-        </p:spPr>
-        <p:txBody>
-          <a:bodyPr wrap="square" rtlCol="0">
-            <a:spAutoFit/>
-          </a:bodyPr>
-          <a:lstStyle/>
-          <a:p>
-            <a:r>
-              <a:rPr lang="en-CA" dirty="0"/>
-              <a:t>Actions</a:t>
-            </a:r>
-          </a:p>
-        </p:txBody>
-      </p:sp>
-      <p:sp>
-        <p:nvSpPr>
-          <p:cNvPr id="49" name="TextBox 48">
-            <a:extLst>
-              <a:ext uri="{FF2B5EF4-FFF2-40B4-BE49-F238E27FC236}">
-                <a16:creationId xmlns:a16="http://schemas.microsoft.com/office/drawing/2014/main" id="{8CC3D666-4431-4346-D065-C66B2ADAB2DA}"/>
-              </a:ext>
-            </a:extLst>
-          </p:cNvPr>
-          <p:cNvSpPr txBox="1"/>
-          <p:nvPr/>
-        </p:nvSpPr>
-        <p:spPr>
-          <a:xfrm>
-            <a:off x="1348826" y="8109164"/>
-            <a:ext cx="4220049" cy="646331"/>
+            <a:off x="97345" y="7878331"/>
+            <a:ext cx="6663309" cy="1107996"/>
           </a:xfrm>
           <a:prstGeom prst="rect">
             <a:avLst/>
@@ -3666,7 +3198,7 @@
           <a:p>
             <a:pPr algn="ctr"/>
             <a:r>
-              <a:rPr lang="en-CA" sz="3600" b="1" dirty="0"/>
+              <a:rPr lang="en-CA" sz="6600" b="1" dirty="0"/>
               <a:t>[state$, actions]</a:t>
             </a:r>
           </a:p>
@@ -3675,7 +3207,7 @@
     </p:spTree>
     <p:extLst>
       <p:ext uri="{BB962C8B-B14F-4D97-AF65-F5344CB8AC3E}">
-        <p14:creationId xmlns:p14="http://schemas.microsoft.com/office/powerpoint/2010/main" val="3635600178"/>
+        <p14:creationId xmlns:p14="http://schemas.microsoft.com/office/powerpoint/2010/main" val="2725475909"/>
       </p:ext>
     </p:extLst>
   </p:cSld>
@@ -3704,10 +3236,10 @@
       </p:grpSpPr>
       <p:pic>
         <p:nvPicPr>
-          <p:cNvPr id="39" name="Picture 38" descr="A black circle with a black background&#10;&#10;Description automatically generated">
+          <p:cNvPr id="3" name="Picture 2" descr="A blue circle with a white background&#10;&#10;Description automatically generated">
             <a:extLst>
               <a:ext uri="{FF2B5EF4-FFF2-40B4-BE49-F238E27FC236}">
-                <a16:creationId xmlns:a16="http://schemas.microsoft.com/office/drawing/2014/main" id="{4C98DDF9-B3B4-7721-1784-C014C3FBFE2D}"/>
+                <a16:creationId xmlns:a16="http://schemas.microsoft.com/office/drawing/2014/main" id="{F004015E-8CC3-1FA7-9CC7-444E324BD75F}"/>
               </a:ext>
             </a:extLst>
           </p:cNvPr>
@@ -3730,8 +3262,8 @@
         </p:blipFill>
         <p:spPr>
           <a:xfrm>
-            <a:off x="320093" y="334657"/>
-            <a:ext cx="6270443" cy="8042888"/>
+            <a:off x="430140" y="702731"/>
+            <a:ext cx="6106542" cy="7729598"/>
           </a:xfrm>
           <a:prstGeom prst="rect">
             <a:avLst/>
@@ -3853,7 +3385,7 @@
         </p:nvSpPr>
         <p:spPr>
           <a:xfrm>
-            <a:off x="4107240" y="3997445"/>
+            <a:off x="4174135" y="4430292"/>
             <a:ext cx="873760" cy="954107"/>
           </a:xfrm>
           <a:prstGeom prst="rect">
@@ -3901,6 +3433,58 @@
           <a:ln w="38100">
             <a:prstDash val="lgDash"/>
           </a:ln>
+        </p:spPr>
+        <p:style>
+          <a:lnRef idx="2">
+            <a:schemeClr val="accent1">
+              <a:shade val="15000"/>
+            </a:schemeClr>
+          </a:lnRef>
+          <a:fillRef idx="1">
+            <a:schemeClr val="accent1"/>
+          </a:fillRef>
+          <a:effectRef idx="0">
+            <a:schemeClr val="accent1"/>
+          </a:effectRef>
+          <a:fontRef idx="minor">
+            <a:schemeClr val="lt1"/>
+          </a:fontRef>
+        </p:style>
+        <p:txBody>
+          <a:bodyPr rtlCol="0" anchor="ctr"/>
+          <a:lstStyle/>
+          <a:p>
+            <a:pPr algn="ctr"/>
+            <a:endParaRPr lang="en-CA"/>
+          </a:p>
+        </p:txBody>
+      </p:sp>
+      <p:sp>
+        <p:nvSpPr>
+          <p:cNvPr id="9" name="Oval 8">
+            <a:extLst>
+              <a:ext uri="{FF2B5EF4-FFF2-40B4-BE49-F238E27FC236}">
+                <a16:creationId xmlns:a16="http://schemas.microsoft.com/office/drawing/2014/main" id="{8A66EBB0-FD5E-873F-1AC8-EED5FD7DC530}"/>
+              </a:ext>
+            </a:extLst>
+          </p:cNvPr>
+          <p:cNvSpPr/>
+          <p:nvPr/>
+        </p:nvSpPr>
+        <p:spPr>
+          <a:xfrm>
+            <a:off x="3255652" y="6371255"/>
+            <a:ext cx="406398" cy="406398"/>
+          </a:xfrm>
+          <a:prstGeom prst="ellipse">
+            <a:avLst/>
+          </a:prstGeom>
+          <a:solidFill>
+            <a:schemeClr val="accent2">
+              <a:lumMod val="40000"/>
+              <a:lumOff val="60000"/>
+            </a:schemeClr>
+          </a:solidFill>
         </p:spPr>
         <p:style>
           <a:lnRef idx="2">
@@ -3972,6 +3556,189 @@
           </a:p>
         </p:txBody>
       </p:sp>
+      <p:cxnSp>
+        <p:nvCxnSpPr>
+          <p:cNvPr id="12" name="Straight Arrow Connector 11">
+            <a:extLst>
+              <a:ext uri="{FF2B5EF4-FFF2-40B4-BE49-F238E27FC236}">
+                <a16:creationId xmlns:a16="http://schemas.microsoft.com/office/drawing/2014/main" id="{B754B732-AE1C-7FD3-F465-645BBC887637}"/>
+              </a:ext>
+            </a:extLst>
+          </p:cNvPr>
+          <p:cNvCxnSpPr>
+            <a:cxnSpLocks/>
+            <a:stCxn id="10" idx="3"/>
+            <a:endCxn id="9" idx="2"/>
+          </p:cNvCxnSpPr>
+          <p:nvPr/>
+        </p:nvCxnSpPr>
+        <p:spPr>
+          <a:xfrm>
+            <a:off x="2813394" y="4722679"/>
+            <a:ext cx="442258" cy="1851775"/>
+          </a:xfrm>
+          <a:prstGeom prst="straightConnector1">
+            <a:avLst/>
+          </a:prstGeom>
+          <a:ln w="31750">
+            <a:solidFill>
+              <a:schemeClr val="tx1"/>
+            </a:solidFill>
+            <a:tailEnd type="triangle"/>
+          </a:ln>
+        </p:spPr>
+        <p:style>
+          <a:lnRef idx="1">
+            <a:schemeClr val="accent1"/>
+          </a:lnRef>
+          <a:fillRef idx="0">
+            <a:schemeClr val="accent1"/>
+          </a:fillRef>
+          <a:effectRef idx="0">
+            <a:schemeClr val="accent1"/>
+          </a:effectRef>
+          <a:fontRef idx="minor">
+            <a:schemeClr val="tx1"/>
+          </a:fontRef>
+        </p:style>
+      </p:cxnSp>
+      <p:sp>
+        <p:nvSpPr>
+          <p:cNvPr id="14" name="Oval 13">
+            <a:extLst>
+              <a:ext uri="{FF2B5EF4-FFF2-40B4-BE49-F238E27FC236}">
+                <a16:creationId xmlns:a16="http://schemas.microsoft.com/office/drawing/2014/main" id="{23260147-9DC7-07E6-57DB-4B45DFDC54F8}"/>
+              </a:ext>
+            </a:extLst>
+          </p:cNvPr>
+          <p:cNvSpPr/>
+          <p:nvPr/>
+        </p:nvSpPr>
+        <p:spPr>
+          <a:xfrm>
+            <a:off x="3280212" y="4704146"/>
+            <a:ext cx="406398" cy="406398"/>
+          </a:xfrm>
+          <a:prstGeom prst="ellipse">
+            <a:avLst/>
+          </a:prstGeom>
+          <a:solidFill>
+            <a:schemeClr val="bg2"/>
+          </a:solidFill>
+        </p:spPr>
+        <p:style>
+          <a:lnRef idx="2">
+            <a:schemeClr val="accent1">
+              <a:shade val="15000"/>
+            </a:schemeClr>
+          </a:lnRef>
+          <a:fillRef idx="1">
+            <a:schemeClr val="accent1"/>
+          </a:fillRef>
+          <a:effectRef idx="0">
+            <a:schemeClr val="accent1"/>
+          </a:effectRef>
+          <a:fontRef idx="minor">
+            <a:schemeClr val="lt1"/>
+          </a:fontRef>
+        </p:style>
+        <p:txBody>
+          <a:bodyPr rtlCol="0" anchor="ctr"/>
+          <a:lstStyle/>
+          <a:p>
+            <a:pPr algn="ctr"/>
+            <a:endParaRPr lang="en-CA"/>
+          </a:p>
+        </p:txBody>
+      </p:sp>
+      <p:cxnSp>
+        <p:nvCxnSpPr>
+          <p:cNvPr id="34" name="Straight Arrow Connector 33">
+            <a:extLst>
+              <a:ext uri="{FF2B5EF4-FFF2-40B4-BE49-F238E27FC236}">
+                <a16:creationId xmlns:a16="http://schemas.microsoft.com/office/drawing/2014/main" id="{9F80D701-C75D-A724-6685-FEBBC5E52705}"/>
+              </a:ext>
+            </a:extLst>
+          </p:cNvPr>
+          <p:cNvCxnSpPr>
+            <a:cxnSpLocks/>
+            <a:stCxn id="10" idx="3"/>
+            <a:endCxn id="14" idx="2"/>
+          </p:cNvCxnSpPr>
+          <p:nvPr/>
+        </p:nvCxnSpPr>
+        <p:spPr>
+          <a:xfrm>
+            <a:off x="2813394" y="4722679"/>
+            <a:ext cx="466818" cy="184666"/>
+          </a:xfrm>
+          <a:prstGeom prst="straightConnector1">
+            <a:avLst/>
+          </a:prstGeom>
+          <a:ln w="31750">
+            <a:solidFill>
+              <a:schemeClr val="tx1"/>
+            </a:solidFill>
+            <a:tailEnd type="triangle"/>
+          </a:ln>
+        </p:spPr>
+        <p:style>
+          <a:lnRef idx="1">
+            <a:schemeClr val="accent1"/>
+          </a:lnRef>
+          <a:fillRef idx="0">
+            <a:schemeClr val="accent1"/>
+          </a:fillRef>
+          <a:effectRef idx="0">
+            <a:schemeClr val="accent1"/>
+          </a:effectRef>
+          <a:fontRef idx="minor">
+            <a:schemeClr val="tx1"/>
+          </a:fontRef>
+        </p:style>
+      </p:cxnSp>
+      <p:sp>
+        <p:nvSpPr>
+          <p:cNvPr id="10" name="TextBox 9">
+            <a:extLst>
+              <a:ext uri="{FF2B5EF4-FFF2-40B4-BE49-F238E27FC236}">
+                <a16:creationId xmlns:a16="http://schemas.microsoft.com/office/drawing/2014/main" id="{E329CD5C-7936-3E3D-F2FF-53332DA148C5}"/>
+              </a:ext>
+            </a:extLst>
+          </p:cNvPr>
+          <p:cNvSpPr txBox="1"/>
+          <p:nvPr/>
+        </p:nvSpPr>
+        <p:spPr>
+          <a:xfrm>
+            <a:off x="1837405" y="4538013"/>
+            <a:ext cx="975989" cy="369332"/>
+          </a:xfrm>
+          <a:prstGeom prst="rect">
+            <a:avLst/>
+          </a:prstGeom>
+          <a:solidFill>
+            <a:schemeClr val="bg1"/>
+          </a:solidFill>
+          <a:ln>
+            <a:solidFill>
+              <a:schemeClr val="tx1"/>
+            </a:solidFill>
+          </a:ln>
+        </p:spPr>
+        <p:txBody>
+          <a:bodyPr wrap="square" rtlCol="0">
+            <a:spAutoFit/>
+          </a:bodyPr>
+          <a:lstStyle/>
+          <a:p>
+            <a:r>
+              <a:rPr lang="en-CA" dirty="0"/>
+              <a:t>Actions</a:t>
+            </a:r>
+          </a:p>
+        </p:txBody>
+      </p:sp>
       <p:sp>
         <p:nvSpPr>
           <p:cNvPr id="49" name="TextBox 48">
@@ -4015,645 +3782,10 @@
           </a:p>
         </p:txBody>
       </p:sp>
-      <p:sp>
-        <p:nvSpPr>
-          <p:cNvPr id="2" name="TextBox 1">
-            <a:extLst>
-              <a:ext uri="{FF2B5EF4-FFF2-40B4-BE49-F238E27FC236}">
-                <a16:creationId xmlns:a16="http://schemas.microsoft.com/office/drawing/2014/main" id="{3E5A2ABA-7A1D-098A-8EBD-D558CD32B71D}"/>
-              </a:ext>
-            </a:extLst>
-          </p:cNvPr>
-          <p:cNvSpPr txBox="1"/>
-          <p:nvPr/>
-        </p:nvSpPr>
-        <p:spPr>
-          <a:xfrm>
-            <a:off x="728594" y="3902871"/>
-            <a:ext cx="1944508" cy="523220"/>
-          </a:xfrm>
-          <a:prstGeom prst="rect">
-            <a:avLst/>
-          </a:prstGeom>
-          <a:solidFill>
-            <a:schemeClr val="bg1"/>
-          </a:solidFill>
-          <a:ln>
-            <a:solidFill>
-              <a:schemeClr val="tx1"/>
-            </a:solidFill>
-          </a:ln>
-        </p:spPr>
-        <p:txBody>
-          <a:bodyPr wrap="square" rtlCol="0">
-            <a:spAutoFit/>
-          </a:bodyPr>
-          <a:lstStyle/>
-          <a:p>
-            <a:pPr algn="ctr"/>
-            <a:r>
-              <a:rPr lang="en-CA" sz="1400" dirty="0"/>
-              <a:t>replay of action sent to effect</a:t>
-            </a:r>
-          </a:p>
-        </p:txBody>
-      </p:sp>
-      <p:sp>
-        <p:nvSpPr>
-          <p:cNvPr id="6" name="Oval 5">
-            <a:extLst>
-              <a:ext uri="{FF2B5EF4-FFF2-40B4-BE49-F238E27FC236}">
-                <a16:creationId xmlns:a16="http://schemas.microsoft.com/office/drawing/2014/main" id="{E09BCC57-E949-14CA-9198-0C9FBE58BB09}"/>
-              </a:ext>
-            </a:extLst>
-          </p:cNvPr>
-          <p:cNvSpPr/>
-          <p:nvPr/>
-        </p:nvSpPr>
-        <p:spPr>
-          <a:xfrm>
-            <a:off x="3252115" y="6365782"/>
-            <a:ext cx="406398" cy="406398"/>
-          </a:xfrm>
-          <a:prstGeom prst="ellipse">
-            <a:avLst/>
-          </a:prstGeom>
-          <a:solidFill>
-            <a:schemeClr val="accent6">
-              <a:lumMod val="40000"/>
-              <a:lumOff val="60000"/>
-            </a:schemeClr>
-          </a:solidFill>
-        </p:spPr>
-        <p:style>
-          <a:lnRef idx="2">
-            <a:schemeClr val="accent1">
-              <a:shade val="15000"/>
-            </a:schemeClr>
-          </a:lnRef>
-          <a:fillRef idx="1">
-            <a:schemeClr val="accent1"/>
-          </a:fillRef>
-          <a:effectRef idx="0">
-            <a:schemeClr val="accent1"/>
-          </a:effectRef>
-          <a:fontRef idx="minor">
-            <a:schemeClr val="lt1"/>
-          </a:fontRef>
-        </p:style>
-        <p:txBody>
-          <a:bodyPr rtlCol="0" anchor="ctr"/>
-          <a:lstStyle/>
-          <a:p>
-            <a:pPr algn="ctr"/>
-            <a:endParaRPr lang="en-CA"/>
-          </a:p>
-        </p:txBody>
-      </p:sp>
-      <p:sp>
-        <p:nvSpPr>
-          <p:cNvPr id="13" name="Arc 12">
-            <a:extLst>
-              <a:ext uri="{FF2B5EF4-FFF2-40B4-BE49-F238E27FC236}">
-                <a16:creationId xmlns:a16="http://schemas.microsoft.com/office/drawing/2014/main" id="{1D75853E-14AD-792F-73CC-C2FF21B9A295}"/>
-              </a:ext>
-            </a:extLst>
-          </p:cNvPr>
-          <p:cNvSpPr/>
-          <p:nvPr/>
-        </p:nvSpPr>
-        <p:spPr>
-          <a:xfrm rot="5064009" flipV="1">
-            <a:off x="1670780" y="5031891"/>
-            <a:ext cx="3385893" cy="1231904"/>
-          </a:xfrm>
-          <a:prstGeom prst="arc">
-            <a:avLst>
-              <a:gd name="adj1" fmla="val 10828632"/>
-              <a:gd name="adj2" fmla="val 21373139"/>
-            </a:avLst>
-          </a:prstGeom>
-          <a:ln w="57150">
-            <a:solidFill>
-              <a:schemeClr val="accent2">
-                <a:lumMod val="60000"/>
-                <a:lumOff val="40000"/>
-              </a:schemeClr>
-            </a:solidFill>
-            <a:tailEnd type="arrow"/>
-          </a:ln>
-        </p:spPr>
-        <p:style>
-          <a:lnRef idx="1">
-            <a:schemeClr val="accent1"/>
-          </a:lnRef>
-          <a:fillRef idx="0">
-            <a:schemeClr val="accent1"/>
-          </a:fillRef>
-          <a:effectRef idx="0">
-            <a:schemeClr val="accent1"/>
-          </a:effectRef>
-          <a:fontRef idx="minor">
-            <a:schemeClr val="tx1"/>
-          </a:fontRef>
-        </p:style>
-        <p:txBody>
-          <a:bodyPr rtlCol="0" anchor="ctr"/>
-          <a:lstStyle/>
-          <a:p>
-            <a:pPr algn="ctr"/>
-            <a:endParaRPr lang="en-CA" dirty="0"/>
-          </a:p>
-        </p:txBody>
-      </p:sp>
-      <p:sp>
-        <p:nvSpPr>
-          <p:cNvPr id="15" name="Oval 14">
-            <a:extLst>
-              <a:ext uri="{FF2B5EF4-FFF2-40B4-BE49-F238E27FC236}">
-                <a16:creationId xmlns:a16="http://schemas.microsoft.com/office/drawing/2014/main" id="{3340BC43-9C3A-A837-1353-5C6E8CEE0C06}"/>
-              </a:ext>
-            </a:extLst>
-          </p:cNvPr>
-          <p:cNvSpPr/>
-          <p:nvPr/>
-        </p:nvSpPr>
-        <p:spPr>
-          <a:xfrm>
-            <a:off x="2572566" y="4438690"/>
-            <a:ext cx="406398" cy="406398"/>
-          </a:xfrm>
-          <a:prstGeom prst="ellipse">
-            <a:avLst/>
-          </a:prstGeom>
-          <a:solidFill>
-            <a:schemeClr val="accent6">
-              <a:lumMod val="40000"/>
-              <a:lumOff val="60000"/>
-              <a:alpha val="50000"/>
-            </a:schemeClr>
-          </a:solidFill>
-          <a:ln>
-            <a:solidFill>
-              <a:schemeClr val="accent1">
-                <a:shade val="15000"/>
-              </a:schemeClr>
-            </a:solidFill>
-          </a:ln>
-        </p:spPr>
-        <p:style>
-          <a:lnRef idx="2">
-            <a:schemeClr val="accent1">
-              <a:shade val="15000"/>
-            </a:schemeClr>
-          </a:lnRef>
-          <a:fillRef idx="1">
-            <a:schemeClr val="accent1"/>
-          </a:fillRef>
-          <a:effectRef idx="0">
-            <a:schemeClr val="accent1"/>
-          </a:effectRef>
-          <a:fontRef idx="minor">
-            <a:schemeClr val="lt1"/>
-          </a:fontRef>
-        </p:style>
-        <p:txBody>
-          <a:bodyPr rtlCol="0" anchor="ctr"/>
-          <a:lstStyle/>
-          <a:p>
-            <a:pPr algn="ctr"/>
-            <a:endParaRPr lang="en-CA"/>
-          </a:p>
-        </p:txBody>
-      </p:sp>
-      <p:sp>
-        <p:nvSpPr>
-          <p:cNvPr id="16" name="Oval 15">
-            <a:extLst>
-              <a:ext uri="{FF2B5EF4-FFF2-40B4-BE49-F238E27FC236}">
-                <a16:creationId xmlns:a16="http://schemas.microsoft.com/office/drawing/2014/main" id="{10D72A6A-0485-97B3-DAC5-DBDC906116B2}"/>
-              </a:ext>
-            </a:extLst>
-          </p:cNvPr>
-          <p:cNvSpPr/>
-          <p:nvPr/>
-        </p:nvSpPr>
-        <p:spPr>
-          <a:xfrm>
-            <a:off x="2750797" y="6246862"/>
-            <a:ext cx="406398" cy="406398"/>
-          </a:xfrm>
-          <a:prstGeom prst="ellipse">
-            <a:avLst/>
-          </a:prstGeom>
-          <a:solidFill>
-            <a:srgbClr val="FFFF00"/>
-          </a:solidFill>
-        </p:spPr>
-        <p:style>
-          <a:lnRef idx="2">
-            <a:schemeClr val="accent1">
-              <a:shade val="15000"/>
-            </a:schemeClr>
-          </a:lnRef>
-          <a:fillRef idx="1">
-            <a:schemeClr val="accent1"/>
-          </a:fillRef>
-          <a:effectRef idx="0">
-            <a:schemeClr val="accent1"/>
-          </a:effectRef>
-          <a:fontRef idx="minor">
-            <a:schemeClr val="lt1"/>
-          </a:fontRef>
-        </p:style>
-        <p:txBody>
-          <a:bodyPr rtlCol="0" anchor="ctr"/>
-          <a:lstStyle/>
-          <a:p>
-            <a:pPr algn="ctr"/>
-            <a:endParaRPr lang="en-CA"/>
-          </a:p>
-        </p:txBody>
-      </p:sp>
-      <p:sp>
-        <p:nvSpPr>
-          <p:cNvPr id="17" name="Oval 16">
-            <a:extLst>
-              <a:ext uri="{FF2B5EF4-FFF2-40B4-BE49-F238E27FC236}">
-                <a16:creationId xmlns:a16="http://schemas.microsoft.com/office/drawing/2014/main" id="{8FFF15CC-B071-F11C-97BA-369EC7F8F33B}"/>
-              </a:ext>
-            </a:extLst>
-          </p:cNvPr>
-          <p:cNvSpPr/>
-          <p:nvPr/>
-        </p:nvSpPr>
-        <p:spPr>
-          <a:xfrm>
-            <a:off x="3225801" y="3747630"/>
-            <a:ext cx="406398" cy="406398"/>
-          </a:xfrm>
-          <a:prstGeom prst="ellipse">
-            <a:avLst/>
-          </a:prstGeom>
-          <a:solidFill>
-            <a:schemeClr val="accent6">
-              <a:lumMod val="40000"/>
-              <a:lumOff val="60000"/>
-              <a:alpha val="50000"/>
-            </a:schemeClr>
-          </a:solidFill>
-        </p:spPr>
-        <p:style>
-          <a:lnRef idx="2">
-            <a:schemeClr val="accent1">
-              <a:shade val="15000"/>
-            </a:schemeClr>
-          </a:lnRef>
-          <a:fillRef idx="1">
-            <a:schemeClr val="accent1"/>
-          </a:fillRef>
-          <a:effectRef idx="0">
-            <a:schemeClr val="accent1"/>
-          </a:effectRef>
-          <a:fontRef idx="minor">
-            <a:schemeClr val="lt1"/>
-          </a:fontRef>
-        </p:style>
-        <p:txBody>
-          <a:bodyPr rtlCol="0" anchor="ctr"/>
-          <a:lstStyle/>
-          <a:p>
-            <a:pPr algn="ctr"/>
-            <a:endParaRPr lang="en-CA"/>
-          </a:p>
-        </p:txBody>
-      </p:sp>
-      <p:cxnSp>
-        <p:nvCxnSpPr>
-          <p:cNvPr id="18" name="Straight Arrow Connector 17">
-            <a:extLst>
-              <a:ext uri="{FF2B5EF4-FFF2-40B4-BE49-F238E27FC236}">
-                <a16:creationId xmlns:a16="http://schemas.microsoft.com/office/drawing/2014/main" id="{9DF6CD40-D1E7-2CEA-EDFF-79290522E1E9}"/>
-              </a:ext>
-            </a:extLst>
-          </p:cNvPr>
-          <p:cNvCxnSpPr>
-            <a:cxnSpLocks/>
-            <a:stCxn id="17" idx="2"/>
-            <a:endCxn id="15" idx="7"/>
-          </p:cNvCxnSpPr>
-          <p:nvPr/>
-        </p:nvCxnSpPr>
-        <p:spPr>
-          <a:xfrm flipH="1">
-            <a:off x="2919448" y="3950829"/>
-            <a:ext cx="306353" cy="547377"/>
-          </a:xfrm>
-          <a:prstGeom prst="straightConnector1">
-            <a:avLst/>
-          </a:prstGeom>
-          <a:ln w="25400">
-            <a:solidFill>
-              <a:schemeClr val="tx1"/>
-            </a:solidFill>
-            <a:tailEnd type="triangle"/>
-          </a:ln>
-        </p:spPr>
-        <p:style>
-          <a:lnRef idx="1">
-            <a:schemeClr val="accent1"/>
-          </a:lnRef>
-          <a:fillRef idx="0">
-            <a:schemeClr val="accent1"/>
-          </a:fillRef>
-          <a:effectRef idx="0">
-            <a:schemeClr val="accent1"/>
-          </a:effectRef>
-          <a:fontRef idx="minor">
-            <a:schemeClr val="tx1"/>
-          </a:fontRef>
-        </p:style>
-      </p:cxnSp>
-      <p:cxnSp>
-        <p:nvCxnSpPr>
-          <p:cNvPr id="19" name="Connector: Curved 18">
-            <a:extLst>
-              <a:ext uri="{FF2B5EF4-FFF2-40B4-BE49-F238E27FC236}">
-                <a16:creationId xmlns:a16="http://schemas.microsoft.com/office/drawing/2014/main" id="{B5A0216D-08A0-F4E3-6FC2-C105BEB86E56}"/>
-              </a:ext>
-            </a:extLst>
-          </p:cNvPr>
-          <p:cNvCxnSpPr>
-            <a:cxnSpLocks/>
-            <a:stCxn id="17" idx="6"/>
-            <a:endCxn id="6" idx="6"/>
-          </p:cNvCxnSpPr>
-          <p:nvPr/>
-        </p:nvCxnSpPr>
-        <p:spPr>
-          <a:xfrm>
-            <a:off x="3632199" y="3950829"/>
-            <a:ext cx="26314" cy="2618152"/>
-          </a:xfrm>
-          <a:prstGeom prst="curvedConnector3">
-            <a:avLst>
-              <a:gd name="adj1" fmla="val 968739"/>
-            </a:avLst>
-          </a:prstGeom>
-          <a:ln w="25400">
-            <a:solidFill>
-              <a:schemeClr val="tx1"/>
-            </a:solidFill>
-            <a:tailEnd type="triangle"/>
-          </a:ln>
-        </p:spPr>
-        <p:style>
-          <a:lnRef idx="1">
-            <a:schemeClr val="accent1"/>
-          </a:lnRef>
-          <a:fillRef idx="0">
-            <a:schemeClr val="accent1"/>
-          </a:fillRef>
-          <a:effectRef idx="0">
-            <a:schemeClr val="accent1"/>
-          </a:effectRef>
-          <a:fontRef idx="minor">
-            <a:schemeClr val="tx1"/>
-          </a:fontRef>
-        </p:style>
-      </p:cxnSp>
-      <p:sp>
-        <p:nvSpPr>
-          <p:cNvPr id="20" name="TextBox 19">
-            <a:extLst>
-              <a:ext uri="{FF2B5EF4-FFF2-40B4-BE49-F238E27FC236}">
-                <a16:creationId xmlns:a16="http://schemas.microsoft.com/office/drawing/2014/main" id="{6843AA1B-0465-31B8-7D9D-2AF21F0748E4}"/>
-              </a:ext>
-            </a:extLst>
-          </p:cNvPr>
-          <p:cNvSpPr txBox="1"/>
-          <p:nvPr/>
-        </p:nvSpPr>
-        <p:spPr>
-          <a:xfrm>
-            <a:off x="4209307" y="5152142"/>
-            <a:ext cx="1441119" cy="523220"/>
-          </a:xfrm>
-          <a:prstGeom prst="rect">
-            <a:avLst/>
-          </a:prstGeom>
-          <a:solidFill>
-            <a:schemeClr val="bg1"/>
-          </a:solidFill>
-          <a:ln>
-            <a:solidFill>
-              <a:schemeClr val="tx1"/>
-            </a:solidFill>
-          </a:ln>
-        </p:spPr>
-        <p:txBody>
-          <a:bodyPr wrap="square" rtlCol="0">
-            <a:spAutoFit/>
-          </a:bodyPr>
-          <a:lstStyle/>
-          <a:p>
-            <a:pPr algn="ctr"/>
-            <a:r>
-              <a:rPr lang="en-CA" sz="1400" dirty="0"/>
-              <a:t>Action: FETCH_TODOS</a:t>
-            </a:r>
-          </a:p>
-        </p:txBody>
-      </p:sp>
-      <p:cxnSp>
-        <p:nvCxnSpPr>
-          <p:cNvPr id="21" name="Straight Arrow Connector 20">
-            <a:extLst>
-              <a:ext uri="{FF2B5EF4-FFF2-40B4-BE49-F238E27FC236}">
-                <a16:creationId xmlns:a16="http://schemas.microsoft.com/office/drawing/2014/main" id="{AF887816-0DEC-CD05-04AC-0B59EC8F3130}"/>
-              </a:ext>
-            </a:extLst>
-          </p:cNvPr>
-          <p:cNvCxnSpPr>
-            <a:cxnSpLocks/>
-            <a:stCxn id="20" idx="0"/>
-            <a:endCxn id="17" idx="6"/>
-          </p:cNvCxnSpPr>
-          <p:nvPr/>
-        </p:nvCxnSpPr>
-        <p:spPr>
-          <a:xfrm flipH="1" flipV="1">
-            <a:off x="3632199" y="3950829"/>
-            <a:ext cx="1297668" cy="1201313"/>
-          </a:xfrm>
-          <a:prstGeom prst="straightConnector1">
-            <a:avLst/>
-          </a:prstGeom>
-          <a:ln w="28575">
-            <a:solidFill>
-              <a:schemeClr val="tx1"/>
-            </a:solidFill>
-            <a:tailEnd type="triangle"/>
-          </a:ln>
-        </p:spPr>
-        <p:style>
-          <a:lnRef idx="1">
-            <a:schemeClr val="accent1"/>
-          </a:lnRef>
-          <a:fillRef idx="0">
-            <a:schemeClr val="accent1"/>
-          </a:fillRef>
-          <a:effectRef idx="0">
-            <a:schemeClr val="accent1"/>
-          </a:effectRef>
-          <a:fontRef idx="minor">
-            <a:schemeClr val="tx1"/>
-          </a:fontRef>
-        </p:style>
-      </p:cxnSp>
-      <p:sp>
-        <p:nvSpPr>
-          <p:cNvPr id="22" name="TextBox 21">
-            <a:extLst>
-              <a:ext uri="{FF2B5EF4-FFF2-40B4-BE49-F238E27FC236}">
-                <a16:creationId xmlns:a16="http://schemas.microsoft.com/office/drawing/2014/main" id="{C86C712F-6C7D-9E5C-32B1-E29E868C79A4}"/>
-              </a:ext>
-            </a:extLst>
-          </p:cNvPr>
-          <p:cNvSpPr txBox="1"/>
-          <p:nvPr/>
-        </p:nvSpPr>
-        <p:spPr>
-          <a:xfrm>
-            <a:off x="173000" y="6653894"/>
-            <a:ext cx="2276141" cy="536357"/>
-          </a:xfrm>
-          <a:prstGeom prst="rect">
-            <a:avLst/>
-          </a:prstGeom>
-          <a:solidFill>
-            <a:schemeClr val="bg1"/>
-          </a:solidFill>
-          <a:ln>
-            <a:solidFill>
-              <a:schemeClr val="tx1"/>
-            </a:solidFill>
-          </a:ln>
-        </p:spPr>
-        <p:txBody>
-          <a:bodyPr wrap="square" rtlCol="0">
-            <a:spAutoFit/>
-          </a:bodyPr>
-          <a:lstStyle/>
-          <a:p>
-            <a:pPr algn="ctr"/>
-            <a:r>
-              <a:rPr lang="en-CA" sz="1400" dirty="0"/>
-              <a:t>Action: </a:t>
-            </a:r>
-          </a:p>
-          <a:p>
-            <a:pPr algn="ctr"/>
-            <a:r>
-              <a:rPr lang="en-CA" sz="1400" dirty="0"/>
-              <a:t>FETCH_TODOS_SUCCESS</a:t>
-            </a:r>
-          </a:p>
-        </p:txBody>
-      </p:sp>
-      <p:cxnSp>
-        <p:nvCxnSpPr>
-          <p:cNvPr id="23" name="Straight Arrow Connector 22">
-            <a:extLst>
-              <a:ext uri="{FF2B5EF4-FFF2-40B4-BE49-F238E27FC236}">
-                <a16:creationId xmlns:a16="http://schemas.microsoft.com/office/drawing/2014/main" id="{67D76307-A1CC-2CE2-8CCA-DB904ACD30BD}"/>
-              </a:ext>
-            </a:extLst>
-          </p:cNvPr>
-          <p:cNvCxnSpPr>
-            <a:cxnSpLocks/>
-            <a:stCxn id="22" idx="0"/>
-            <a:endCxn id="16" idx="2"/>
-          </p:cNvCxnSpPr>
-          <p:nvPr/>
-        </p:nvCxnSpPr>
-        <p:spPr>
-          <a:xfrm flipV="1">
-            <a:off x="1311071" y="6450061"/>
-            <a:ext cx="1439726" cy="203833"/>
-          </a:xfrm>
-          <a:prstGeom prst="straightConnector1">
-            <a:avLst/>
-          </a:prstGeom>
-          <a:ln w="28575">
-            <a:solidFill>
-              <a:schemeClr val="tx1"/>
-            </a:solidFill>
-            <a:tailEnd type="triangle"/>
-          </a:ln>
-        </p:spPr>
-        <p:style>
-          <a:lnRef idx="1">
-            <a:schemeClr val="accent1"/>
-          </a:lnRef>
-          <a:fillRef idx="0">
-            <a:schemeClr val="accent1"/>
-          </a:fillRef>
-          <a:effectRef idx="0">
-            <a:schemeClr val="accent1"/>
-          </a:effectRef>
-          <a:fontRef idx="minor">
-            <a:schemeClr val="tx1"/>
-          </a:fontRef>
-        </p:style>
-      </p:cxnSp>
-      <p:sp>
-        <p:nvSpPr>
-          <p:cNvPr id="25" name="TextBox 24">
-            <a:extLst>
-              <a:ext uri="{FF2B5EF4-FFF2-40B4-BE49-F238E27FC236}">
-                <a16:creationId xmlns:a16="http://schemas.microsoft.com/office/drawing/2014/main" id="{69030411-369E-BCF2-1C92-4F7F631C75B0}"/>
-              </a:ext>
-            </a:extLst>
-          </p:cNvPr>
-          <p:cNvSpPr txBox="1"/>
-          <p:nvPr/>
-        </p:nvSpPr>
-        <p:spPr>
-          <a:xfrm>
-            <a:off x="974623" y="5129618"/>
-            <a:ext cx="2293894" cy="369332"/>
-          </a:xfrm>
-          <a:prstGeom prst="rect">
-            <a:avLst/>
-          </a:prstGeom>
-          <a:solidFill>
-            <a:schemeClr val="bg1"/>
-          </a:solidFill>
-          <a:ln>
-            <a:solidFill>
-              <a:schemeClr val="tx1"/>
-            </a:solidFill>
-          </a:ln>
-        </p:spPr>
-        <p:txBody>
-          <a:bodyPr wrap="square" rtlCol="0">
-            <a:spAutoFit/>
-          </a:bodyPr>
-          <a:lstStyle/>
-          <a:p>
-            <a:pPr algn="ctr"/>
-            <a:r>
-              <a:rPr lang="en-CA" dirty="0"/>
-              <a:t>fetchTodosEffect$</a:t>
-            </a:r>
-          </a:p>
-        </p:txBody>
-      </p:sp>
     </p:spTree>
     <p:extLst>
       <p:ext uri="{BB962C8B-B14F-4D97-AF65-F5344CB8AC3E}">
-        <p14:creationId xmlns:p14="http://schemas.microsoft.com/office/powerpoint/2010/main" val="422110913"/>
+        <p14:creationId xmlns:p14="http://schemas.microsoft.com/office/powerpoint/2010/main" val="3635600178"/>
       </p:ext>
     </p:extLst>
   </p:cSld>
@@ -4682,10 +3814,10 @@
       </p:grpSpPr>
       <p:pic>
         <p:nvPicPr>
-          <p:cNvPr id="39" name="Picture 38" descr="A black circle with a black background&#10;&#10;Description automatically generated">
+          <p:cNvPr id="3" name="Picture 2" descr="A blue circle with a white background&#10;&#10;Description automatically generated">
             <a:extLst>
               <a:ext uri="{FF2B5EF4-FFF2-40B4-BE49-F238E27FC236}">
-                <a16:creationId xmlns:a16="http://schemas.microsoft.com/office/drawing/2014/main" id="{4C98DDF9-B3B4-7721-1784-C014C3FBFE2D}"/>
+                <a16:creationId xmlns:a16="http://schemas.microsoft.com/office/drawing/2014/main" id="{777AF7E4-7C19-2E4E-5808-1E4466E4E802}"/>
               </a:ext>
             </a:extLst>
           </p:cNvPr>
@@ -4708,14 +3840,248 @@
         </p:blipFill>
         <p:spPr>
           <a:xfrm>
-            <a:off x="323628" y="315607"/>
-            <a:ext cx="6270443" cy="8042888"/>
+            <a:off x="423521" y="777090"/>
+            <a:ext cx="6106542" cy="7729598"/>
           </a:xfrm>
           <a:prstGeom prst="rect">
             <a:avLst/>
           </a:prstGeom>
         </p:spPr>
       </p:pic>
+      <p:cxnSp>
+        <p:nvCxnSpPr>
+          <p:cNvPr id="4" name="Straight Arrow Connector 3">
+            <a:extLst>
+              <a:ext uri="{FF2B5EF4-FFF2-40B4-BE49-F238E27FC236}">
+                <a16:creationId xmlns:a16="http://schemas.microsoft.com/office/drawing/2014/main" id="{8BDD2D60-ACB1-836E-F378-E0439B6FF251}"/>
+              </a:ext>
+            </a:extLst>
+          </p:cNvPr>
+          <p:cNvCxnSpPr>
+            <a:cxnSpLocks/>
+            <a:endCxn id="5" idx="0"/>
+          </p:cNvCxnSpPr>
+          <p:nvPr/>
+        </p:nvCxnSpPr>
+        <p:spPr>
+          <a:xfrm>
+            <a:off x="3458851" y="3295650"/>
+            <a:ext cx="0" cy="4037268"/>
+          </a:xfrm>
+          <a:prstGeom prst="straightConnector1">
+            <a:avLst/>
+          </a:prstGeom>
+          <a:ln w="57150">
+            <a:tailEnd type="arrow"/>
+          </a:ln>
+        </p:spPr>
+        <p:style>
+          <a:lnRef idx="1">
+            <a:schemeClr val="accent1"/>
+          </a:lnRef>
+          <a:fillRef idx="0">
+            <a:schemeClr val="accent1"/>
+          </a:fillRef>
+          <a:effectRef idx="0">
+            <a:schemeClr val="accent1"/>
+          </a:effectRef>
+          <a:fontRef idx="minor">
+            <a:schemeClr val="tx1"/>
+          </a:fontRef>
+        </p:style>
+      </p:cxnSp>
+      <p:sp>
+        <p:nvSpPr>
+          <p:cNvPr id="5" name="Rectangle: Rounded Corners 4">
+            <a:extLst>
+              <a:ext uri="{FF2B5EF4-FFF2-40B4-BE49-F238E27FC236}">
+                <a16:creationId xmlns:a16="http://schemas.microsoft.com/office/drawing/2014/main" id="{D23383F2-FF63-DEB0-708B-E78E87D18F0C}"/>
+              </a:ext>
+            </a:extLst>
+          </p:cNvPr>
+          <p:cNvSpPr/>
+          <p:nvPr/>
+        </p:nvSpPr>
+        <p:spPr>
+          <a:xfrm>
+            <a:off x="2644780" y="7332918"/>
+            <a:ext cx="1628141" cy="431015"/>
+          </a:xfrm>
+          <a:prstGeom prst="roundRect">
+            <a:avLst/>
+          </a:prstGeom>
+          <a:solidFill>
+            <a:schemeClr val="accent4">
+              <a:lumMod val="20000"/>
+              <a:lumOff val="80000"/>
+            </a:schemeClr>
+          </a:solidFill>
+        </p:spPr>
+        <p:style>
+          <a:lnRef idx="2">
+            <a:schemeClr val="accent1">
+              <a:shade val="15000"/>
+            </a:schemeClr>
+          </a:lnRef>
+          <a:fillRef idx="1">
+            <a:schemeClr val="accent1"/>
+          </a:fillRef>
+          <a:effectRef idx="0">
+            <a:schemeClr val="accent1"/>
+          </a:effectRef>
+          <a:fontRef idx="minor">
+            <a:schemeClr val="lt1"/>
+          </a:fontRef>
+        </p:style>
+        <p:txBody>
+          <a:bodyPr rtlCol="0" anchor="ctr"/>
+          <a:lstStyle/>
+          <a:p>
+            <a:pPr algn="ctr"/>
+            <a:r>
+              <a:rPr lang="en-CA" sz="2400" dirty="0">
+                <a:solidFill>
+                  <a:schemeClr val="tx1"/>
+                </a:solidFill>
+              </a:rPr>
+              <a:t>Store</a:t>
+            </a:r>
+          </a:p>
+        </p:txBody>
+      </p:sp>
+      <p:sp>
+        <p:nvSpPr>
+          <p:cNvPr id="7" name="TextBox 6">
+            <a:extLst>
+              <a:ext uri="{FF2B5EF4-FFF2-40B4-BE49-F238E27FC236}">
+                <a16:creationId xmlns:a16="http://schemas.microsoft.com/office/drawing/2014/main" id="{B92C4E19-132C-2F3F-F766-22C0A4505920}"/>
+              </a:ext>
+            </a:extLst>
+          </p:cNvPr>
+          <p:cNvSpPr txBox="1"/>
+          <p:nvPr/>
+        </p:nvSpPr>
+        <p:spPr>
+          <a:xfrm>
+            <a:off x="4107240" y="3997445"/>
+            <a:ext cx="873760" cy="954107"/>
+          </a:xfrm>
+          <a:prstGeom prst="rect">
+            <a:avLst/>
+          </a:prstGeom>
+          <a:noFill/>
+        </p:spPr>
+        <p:txBody>
+          <a:bodyPr wrap="square" rtlCol="0">
+            <a:spAutoFit/>
+          </a:bodyPr>
+          <a:lstStyle/>
+          <a:p>
+            <a:r>
+              <a:rPr lang="en-CA" sz="2800" dirty="0"/>
+              <a:t>Hub</a:t>
+            </a:r>
+          </a:p>
+          <a:p>
+            <a:endParaRPr lang="en-CA" sz="2800" dirty="0"/>
+          </a:p>
+        </p:txBody>
+      </p:sp>
+      <p:sp>
+        <p:nvSpPr>
+          <p:cNvPr id="8" name="Oval 7">
+            <a:extLst>
+              <a:ext uri="{FF2B5EF4-FFF2-40B4-BE49-F238E27FC236}">
+                <a16:creationId xmlns:a16="http://schemas.microsoft.com/office/drawing/2014/main" id="{C4E1D685-7FD0-AFE6-41E0-77B7B5DB5272}"/>
+              </a:ext>
+            </a:extLst>
+          </p:cNvPr>
+          <p:cNvSpPr/>
+          <p:nvPr/>
+        </p:nvSpPr>
+        <p:spPr>
+          <a:xfrm>
+            <a:off x="1587833" y="3549650"/>
+            <a:ext cx="3777918" cy="3438037"/>
+          </a:xfrm>
+          <a:prstGeom prst="ellipse">
+            <a:avLst/>
+          </a:prstGeom>
+          <a:noFill/>
+          <a:ln w="38100">
+            <a:prstDash val="lgDash"/>
+          </a:ln>
+        </p:spPr>
+        <p:style>
+          <a:lnRef idx="2">
+            <a:schemeClr val="accent1">
+              <a:shade val="15000"/>
+            </a:schemeClr>
+          </a:lnRef>
+          <a:fillRef idx="1">
+            <a:schemeClr val="accent1"/>
+          </a:fillRef>
+          <a:effectRef idx="0">
+            <a:schemeClr val="accent1"/>
+          </a:effectRef>
+          <a:fontRef idx="minor">
+            <a:schemeClr val="lt1"/>
+          </a:fontRef>
+        </p:style>
+        <p:txBody>
+          <a:bodyPr rtlCol="0" anchor="ctr"/>
+          <a:lstStyle/>
+          <a:p>
+            <a:pPr algn="ctr"/>
+            <a:endParaRPr lang="en-CA"/>
+          </a:p>
+        </p:txBody>
+      </p:sp>
+      <p:sp>
+        <p:nvSpPr>
+          <p:cNvPr id="11" name="TextBox 10">
+            <a:extLst>
+              <a:ext uri="{FF2B5EF4-FFF2-40B4-BE49-F238E27FC236}">
+                <a16:creationId xmlns:a16="http://schemas.microsoft.com/office/drawing/2014/main" id="{FF16902C-56CF-A6E1-A9C6-742A4858AA25}"/>
+              </a:ext>
+            </a:extLst>
+          </p:cNvPr>
+          <p:cNvSpPr txBox="1"/>
+          <p:nvPr/>
+        </p:nvSpPr>
+        <p:spPr>
+          <a:xfrm>
+            <a:off x="2708269" y="3318401"/>
+            <a:ext cx="1381761" cy="369332"/>
+          </a:xfrm>
+          <a:prstGeom prst="rect">
+            <a:avLst/>
+          </a:prstGeom>
+          <a:solidFill>
+            <a:schemeClr val="bg1"/>
+          </a:solidFill>
+          <a:ln>
+            <a:solidFill>
+              <a:schemeClr val="accent1">
+                <a:shade val="15000"/>
+              </a:schemeClr>
+            </a:solidFill>
+          </a:ln>
+        </p:spPr>
+        <p:txBody>
+          <a:bodyPr wrap="square" rtlCol="0">
+            <a:spAutoFit/>
+          </a:bodyPr>
+          <a:lstStyle/>
+          <a:p>
+            <a:pPr algn="ctr"/>
+            <a:r>
+              <a:rPr lang="en-CA" dirty="0"/>
+              <a:t>dispatcher$</a:t>
+            </a:r>
+          </a:p>
+        </p:txBody>
+      </p:sp>
       <p:sp>
         <p:nvSpPr>
           <p:cNvPr id="49" name="TextBox 48">
@@ -4759,12 +4125,677 @@
           </a:p>
         </p:txBody>
       </p:sp>
+      <p:sp>
+        <p:nvSpPr>
+          <p:cNvPr id="2" name="TextBox 1">
+            <a:extLst>
+              <a:ext uri="{FF2B5EF4-FFF2-40B4-BE49-F238E27FC236}">
+                <a16:creationId xmlns:a16="http://schemas.microsoft.com/office/drawing/2014/main" id="{3E5A2ABA-7A1D-098A-8EBD-D558CD32B71D}"/>
+              </a:ext>
+            </a:extLst>
+          </p:cNvPr>
+          <p:cNvSpPr txBox="1"/>
+          <p:nvPr/>
+        </p:nvSpPr>
+        <p:spPr>
+          <a:xfrm>
+            <a:off x="728594" y="3902871"/>
+            <a:ext cx="1944508" cy="523220"/>
+          </a:xfrm>
+          <a:prstGeom prst="rect">
+            <a:avLst/>
+          </a:prstGeom>
+          <a:solidFill>
+            <a:schemeClr val="bg1"/>
+          </a:solidFill>
+          <a:ln>
+            <a:solidFill>
+              <a:schemeClr val="tx1"/>
+            </a:solidFill>
+          </a:ln>
+        </p:spPr>
+        <p:txBody>
+          <a:bodyPr wrap="square" rtlCol="0">
+            <a:spAutoFit/>
+          </a:bodyPr>
+          <a:lstStyle/>
+          <a:p>
+            <a:pPr algn="ctr"/>
+            <a:r>
+              <a:rPr lang="en-CA" sz="1400" dirty="0"/>
+              <a:t>replay of action sent to effect</a:t>
+            </a:r>
+          </a:p>
+        </p:txBody>
+      </p:sp>
+      <p:sp>
+        <p:nvSpPr>
+          <p:cNvPr id="6" name="Oval 5">
+            <a:extLst>
+              <a:ext uri="{FF2B5EF4-FFF2-40B4-BE49-F238E27FC236}">
+                <a16:creationId xmlns:a16="http://schemas.microsoft.com/office/drawing/2014/main" id="{E09BCC57-E949-14CA-9198-0C9FBE58BB09}"/>
+              </a:ext>
+            </a:extLst>
+          </p:cNvPr>
+          <p:cNvSpPr/>
+          <p:nvPr/>
+        </p:nvSpPr>
+        <p:spPr>
+          <a:xfrm>
+            <a:off x="3252115" y="6365782"/>
+            <a:ext cx="406398" cy="406398"/>
+          </a:xfrm>
+          <a:prstGeom prst="ellipse">
+            <a:avLst/>
+          </a:prstGeom>
+          <a:solidFill>
+            <a:schemeClr val="accent6">
+              <a:lumMod val="40000"/>
+              <a:lumOff val="60000"/>
+            </a:schemeClr>
+          </a:solidFill>
+        </p:spPr>
+        <p:style>
+          <a:lnRef idx="2">
+            <a:schemeClr val="accent1">
+              <a:shade val="15000"/>
+            </a:schemeClr>
+          </a:lnRef>
+          <a:fillRef idx="1">
+            <a:schemeClr val="accent1"/>
+          </a:fillRef>
+          <a:effectRef idx="0">
+            <a:schemeClr val="accent1"/>
+          </a:effectRef>
+          <a:fontRef idx="minor">
+            <a:schemeClr val="lt1"/>
+          </a:fontRef>
+        </p:style>
+        <p:txBody>
+          <a:bodyPr rtlCol="0" anchor="ctr"/>
+          <a:lstStyle/>
+          <a:p>
+            <a:pPr algn="ctr"/>
+            <a:endParaRPr lang="en-CA"/>
+          </a:p>
+        </p:txBody>
+      </p:sp>
+      <p:sp>
+        <p:nvSpPr>
+          <p:cNvPr id="13" name="Arc 12">
+            <a:extLst>
+              <a:ext uri="{FF2B5EF4-FFF2-40B4-BE49-F238E27FC236}">
+                <a16:creationId xmlns:a16="http://schemas.microsoft.com/office/drawing/2014/main" id="{1D75853E-14AD-792F-73CC-C2FF21B9A295}"/>
+              </a:ext>
+            </a:extLst>
+          </p:cNvPr>
+          <p:cNvSpPr/>
+          <p:nvPr/>
+        </p:nvSpPr>
+        <p:spPr>
+          <a:xfrm rot="5064009" flipV="1">
+            <a:off x="1670780" y="5031891"/>
+            <a:ext cx="3385893" cy="1231904"/>
+          </a:xfrm>
+          <a:prstGeom prst="arc">
+            <a:avLst>
+              <a:gd name="adj1" fmla="val 10828632"/>
+              <a:gd name="adj2" fmla="val 21373139"/>
+            </a:avLst>
+          </a:prstGeom>
+          <a:ln w="57150">
+            <a:solidFill>
+              <a:schemeClr val="accent2">
+                <a:lumMod val="60000"/>
+                <a:lumOff val="40000"/>
+              </a:schemeClr>
+            </a:solidFill>
+            <a:tailEnd type="arrow"/>
+          </a:ln>
+        </p:spPr>
+        <p:style>
+          <a:lnRef idx="1">
+            <a:schemeClr val="accent1"/>
+          </a:lnRef>
+          <a:fillRef idx="0">
+            <a:schemeClr val="accent1"/>
+          </a:fillRef>
+          <a:effectRef idx="0">
+            <a:schemeClr val="accent1"/>
+          </a:effectRef>
+          <a:fontRef idx="minor">
+            <a:schemeClr val="tx1"/>
+          </a:fontRef>
+        </p:style>
+        <p:txBody>
+          <a:bodyPr rtlCol="0" anchor="ctr"/>
+          <a:lstStyle/>
+          <a:p>
+            <a:pPr algn="ctr"/>
+            <a:endParaRPr lang="en-CA" dirty="0"/>
+          </a:p>
+        </p:txBody>
+      </p:sp>
+      <p:sp>
+        <p:nvSpPr>
+          <p:cNvPr id="15" name="Oval 14">
+            <a:extLst>
+              <a:ext uri="{FF2B5EF4-FFF2-40B4-BE49-F238E27FC236}">
+                <a16:creationId xmlns:a16="http://schemas.microsoft.com/office/drawing/2014/main" id="{3340BC43-9C3A-A837-1353-5C6E8CEE0C06}"/>
+              </a:ext>
+            </a:extLst>
+          </p:cNvPr>
+          <p:cNvSpPr/>
+          <p:nvPr/>
+        </p:nvSpPr>
+        <p:spPr>
+          <a:xfrm>
+            <a:off x="2572566" y="4438690"/>
+            <a:ext cx="406398" cy="406398"/>
+          </a:xfrm>
+          <a:prstGeom prst="ellipse">
+            <a:avLst/>
+          </a:prstGeom>
+          <a:solidFill>
+            <a:schemeClr val="accent6">
+              <a:lumMod val="40000"/>
+              <a:lumOff val="60000"/>
+              <a:alpha val="50000"/>
+            </a:schemeClr>
+          </a:solidFill>
+          <a:ln>
+            <a:solidFill>
+              <a:schemeClr val="accent1">
+                <a:shade val="15000"/>
+              </a:schemeClr>
+            </a:solidFill>
+          </a:ln>
+        </p:spPr>
+        <p:style>
+          <a:lnRef idx="2">
+            <a:schemeClr val="accent1">
+              <a:shade val="15000"/>
+            </a:schemeClr>
+          </a:lnRef>
+          <a:fillRef idx="1">
+            <a:schemeClr val="accent1"/>
+          </a:fillRef>
+          <a:effectRef idx="0">
+            <a:schemeClr val="accent1"/>
+          </a:effectRef>
+          <a:fontRef idx="minor">
+            <a:schemeClr val="lt1"/>
+          </a:fontRef>
+        </p:style>
+        <p:txBody>
+          <a:bodyPr rtlCol="0" anchor="ctr"/>
+          <a:lstStyle/>
+          <a:p>
+            <a:pPr algn="ctr"/>
+            <a:endParaRPr lang="en-CA"/>
+          </a:p>
+        </p:txBody>
+      </p:sp>
+      <p:sp>
+        <p:nvSpPr>
+          <p:cNvPr id="16" name="Oval 15">
+            <a:extLst>
+              <a:ext uri="{FF2B5EF4-FFF2-40B4-BE49-F238E27FC236}">
+                <a16:creationId xmlns:a16="http://schemas.microsoft.com/office/drawing/2014/main" id="{10D72A6A-0485-97B3-DAC5-DBDC906116B2}"/>
+              </a:ext>
+            </a:extLst>
+          </p:cNvPr>
+          <p:cNvSpPr/>
+          <p:nvPr/>
+        </p:nvSpPr>
+        <p:spPr>
+          <a:xfrm>
+            <a:off x="2750797" y="6246862"/>
+            <a:ext cx="406398" cy="406398"/>
+          </a:xfrm>
+          <a:prstGeom prst="ellipse">
+            <a:avLst/>
+          </a:prstGeom>
+          <a:solidFill>
+            <a:srgbClr val="FFFF00"/>
+          </a:solidFill>
+        </p:spPr>
+        <p:style>
+          <a:lnRef idx="2">
+            <a:schemeClr val="accent1">
+              <a:shade val="15000"/>
+            </a:schemeClr>
+          </a:lnRef>
+          <a:fillRef idx="1">
+            <a:schemeClr val="accent1"/>
+          </a:fillRef>
+          <a:effectRef idx="0">
+            <a:schemeClr val="accent1"/>
+          </a:effectRef>
+          <a:fontRef idx="minor">
+            <a:schemeClr val="lt1"/>
+          </a:fontRef>
+        </p:style>
+        <p:txBody>
+          <a:bodyPr rtlCol="0" anchor="ctr"/>
+          <a:lstStyle/>
+          <a:p>
+            <a:pPr algn="ctr"/>
+            <a:endParaRPr lang="en-CA"/>
+          </a:p>
+        </p:txBody>
+      </p:sp>
+      <p:sp>
+        <p:nvSpPr>
+          <p:cNvPr id="17" name="Oval 16">
+            <a:extLst>
+              <a:ext uri="{FF2B5EF4-FFF2-40B4-BE49-F238E27FC236}">
+                <a16:creationId xmlns:a16="http://schemas.microsoft.com/office/drawing/2014/main" id="{8FFF15CC-B071-F11C-97BA-369EC7F8F33B}"/>
+              </a:ext>
+            </a:extLst>
+          </p:cNvPr>
+          <p:cNvSpPr/>
+          <p:nvPr/>
+        </p:nvSpPr>
+        <p:spPr>
+          <a:xfrm>
+            <a:off x="3225801" y="3747630"/>
+            <a:ext cx="406398" cy="406398"/>
+          </a:xfrm>
+          <a:prstGeom prst="ellipse">
+            <a:avLst/>
+          </a:prstGeom>
+          <a:solidFill>
+            <a:schemeClr val="accent6">
+              <a:lumMod val="40000"/>
+              <a:lumOff val="60000"/>
+              <a:alpha val="50000"/>
+            </a:schemeClr>
+          </a:solidFill>
+        </p:spPr>
+        <p:style>
+          <a:lnRef idx="2">
+            <a:schemeClr val="accent1">
+              <a:shade val="15000"/>
+            </a:schemeClr>
+          </a:lnRef>
+          <a:fillRef idx="1">
+            <a:schemeClr val="accent1"/>
+          </a:fillRef>
+          <a:effectRef idx="0">
+            <a:schemeClr val="accent1"/>
+          </a:effectRef>
+          <a:fontRef idx="minor">
+            <a:schemeClr val="lt1"/>
+          </a:fontRef>
+        </p:style>
+        <p:txBody>
+          <a:bodyPr rtlCol="0" anchor="ctr"/>
+          <a:lstStyle/>
+          <a:p>
+            <a:pPr algn="ctr"/>
+            <a:endParaRPr lang="en-CA"/>
+          </a:p>
+        </p:txBody>
+      </p:sp>
+      <p:cxnSp>
+        <p:nvCxnSpPr>
+          <p:cNvPr id="18" name="Straight Arrow Connector 17">
+            <a:extLst>
+              <a:ext uri="{FF2B5EF4-FFF2-40B4-BE49-F238E27FC236}">
+                <a16:creationId xmlns:a16="http://schemas.microsoft.com/office/drawing/2014/main" id="{9DF6CD40-D1E7-2CEA-EDFF-79290522E1E9}"/>
+              </a:ext>
+            </a:extLst>
+          </p:cNvPr>
+          <p:cNvCxnSpPr>
+            <a:cxnSpLocks/>
+            <a:stCxn id="17" idx="2"/>
+            <a:endCxn id="15" idx="7"/>
+          </p:cNvCxnSpPr>
+          <p:nvPr/>
+        </p:nvCxnSpPr>
+        <p:spPr>
+          <a:xfrm flipH="1">
+            <a:off x="2919448" y="3950829"/>
+            <a:ext cx="306353" cy="547377"/>
+          </a:xfrm>
+          <a:prstGeom prst="straightConnector1">
+            <a:avLst/>
+          </a:prstGeom>
+          <a:ln w="25400">
+            <a:solidFill>
+              <a:schemeClr val="tx1"/>
+            </a:solidFill>
+            <a:tailEnd type="triangle"/>
+          </a:ln>
+        </p:spPr>
+        <p:style>
+          <a:lnRef idx="1">
+            <a:schemeClr val="accent1"/>
+          </a:lnRef>
+          <a:fillRef idx="0">
+            <a:schemeClr val="accent1"/>
+          </a:fillRef>
+          <a:effectRef idx="0">
+            <a:schemeClr val="accent1"/>
+          </a:effectRef>
+          <a:fontRef idx="minor">
+            <a:schemeClr val="tx1"/>
+          </a:fontRef>
+        </p:style>
+      </p:cxnSp>
+      <p:cxnSp>
+        <p:nvCxnSpPr>
+          <p:cNvPr id="19" name="Connector: Curved 18">
+            <a:extLst>
+              <a:ext uri="{FF2B5EF4-FFF2-40B4-BE49-F238E27FC236}">
+                <a16:creationId xmlns:a16="http://schemas.microsoft.com/office/drawing/2014/main" id="{B5A0216D-08A0-F4E3-6FC2-C105BEB86E56}"/>
+              </a:ext>
+            </a:extLst>
+          </p:cNvPr>
+          <p:cNvCxnSpPr>
+            <a:cxnSpLocks/>
+            <a:stCxn id="17" idx="6"/>
+            <a:endCxn id="6" idx="6"/>
+          </p:cNvCxnSpPr>
+          <p:nvPr/>
+        </p:nvCxnSpPr>
+        <p:spPr>
+          <a:xfrm>
+            <a:off x="3632199" y="3950829"/>
+            <a:ext cx="26314" cy="2618152"/>
+          </a:xfrm>
+          <a:prstGeom prst="curvedConnector3">
+            <a:avLst>
+              <a:gd name="adj1" fmla="val 968739"/>
+            </a:avLst>
+          </a:prstGeom>
+          <a:ln w="25400">
+            <a:solidFill>
+              <a:schemeClr val="tx1"/>
+            </a:solidFill>
+            <a:tailEnd type="triangle"/>
+          </a:ln>
+        </p:spPr>
+        <p:style>
+          <a:lnRef idx="1">
+            <a:schemeClr val="accent1"/>
+          </a:lnRef>
+          <a:fillRef idx="0">
+            <a:schemeClr val="accent1"/>
+          </a:fillRef>
+          <a:effectRef idx="0">
+            <a:schemeClr val="accent1"/>
+          </a:effectRef>
+          <a:fontRef idx="minor">
+            <a:schemeClr val="tx1"/>
+          </a:fontRef>
+        </p:style>
+      </p:cxnSp>
+      <p:sp>
+        <p:nvSpPr>
+          <p:cNvPr id="20" name="TextBox 19">
+            <a:extLst>
+              <a:ext uri="{FF2B5EF4-FFF2-40B4-BE49-F238E27FC236}">
+                <a16:creationId xmlns:a16="http://schemas.microsoft.com/office/drawing/2014/main" id="{6843AA1B-0465-31B8-7D9D-2AF21F0748E4}"/>
+              </a:ext>
+            </a:extLst>
+          </p:cNvPr>
+          <p:cNvSpPr txBox="1"/>
+          <p:nvPr/>
+        </p:nvSpPr>
+        <p:spPr>
+          <a:xfrm>
+            <a:off x="4209307" y="5152142"/>
+            <a:ext cx="1441119" cy="523220"/>
+          </a:xfrm>
+          <a:prstGeom prst="rect">
+            <a:avLst/>
+          </a:prstGeom>
+          <a:solidFill>
+            <a:schemeClr val="bg1"/>
+          </a:solidFill>
+          <a:ln>
+            <a:solidFill>
+              <a:schemeClr val="tx1"/>
+            </a:solidFill>
+          </a:ln>
+        </p:spPr>
+        <p:txBody>
+          <a:bodyPr wrap="square" rtlCol="0">
+            <a:spAutoFit/>
+          </a:bodyPr>
+          <a:lstStyle/>
+          <a:p>
+            <a:pPr algn="ctr"/>
+            <a:r>
+              <a:rPr lang="en-CA" sz="1400" dirty="0"/>
+              <a:t>Action: FETCH_TODOS</a:t>
+            </a:r>
+          </a:p>
+        </p:txBody>
+      </p:sp>
+      <p:cxnSp>
+        <p:nvCxnSpPr>
+          <p:cNvPr id="21" name="Straight Arrow Connector 20">
+            <a:extLst>
+              <a:ext uri="{FF2B5EF4-FFF2-40B4-BE49-F238E27FC236}">
+                <a16:creationId xmlns:a16="http://schemas.microsoft.com/office/drawing/2014/main" id="{AF887816-0DEC-CD05-04AC-0B59EC8F3130}"/>
+              </a:ext>
+            </a:extLst>
+          </p:cNvPr>
+          <p:cNvCxnSpPr>
+            <a:cxnSpLocks/>
+            <a:stCxn id="20" idx="0"/>
+            <a:endCxn id="17" idx="6"/>
+          </p:cNvCxnSpPr>
+          <p:nvPr/>
+        </p:nvCxnSpPr>
+        <p:spPr>
+          <a:xfrm flipH="1" flipV="1">
+            <a:off x="3632199" y="3950829"/>
+            <a:ext cx="1297668" cy="1201313"/>
+          </a:xfrm>
+          <a:prstGeom prst="straightConnector1">
+            <a:avLst/>
+          </a:prstGeom>
+          <a:ln w="28575">
+            <a:solidFill>
+              <a:schemeClr val="tx1"/>
+            </a:solidFill>
+            <a:tailEnd type="triangle"/>
+          </a:ln>
+        </p:spPr>
+        <p:style>
+          <a:lnRef idx="1">
+            <a:schemeClr val="accent1"/>
+          </a:lnRef>
+          <a:fillRef idx="0">
+            <a:schemeClr val="accent1"/>
+          </a:fillRef>
+          <a:effectRef idx="0">
+            <a:schemeClr val="accent1"/>
+          </a:effectRef>
+          <a:fontRef idx="minor">
+            <a:schemeClr val="tx1"/>
+          </a:fontRef>
+        </p:style>
+      </p:cxnSp>
+      <p:sp>
+        <p:nvSpPr>
+          <p:cNvPr id="22" name="TextBox 21">
+            <a:extLst>
+              <a:ext uri="{FF2B5EF4-FFF2-40B4-BE49-F238E27FC236}">
+                <a16:creationId xmlns:a16="http://schemas.microsoft.com/office/drawing/2014/main" id="{C86C712F-6C7D-9E5C-32B1-E29E868C79A4}"/>
+              </a:ext>
+            </a:extLst>
+          </p:cNvPr>
+          <p:cNvSpPr txBox="1"/>
+          <p:nvPr/>
+        </p:nvSpPr>
+        <p:spPr>
+          <a:xfrm>
+            <a:off x="173000" y="6653894"/>
+            <a:ext cx="2276141" cy="536357"/>
+          </a:xfrm>
+          <a:prstGeom prst="rect">
+            <a:avLst/>
+          </a:prstGeom>
+          <a:solidFill>
+            <a:schemeClr val="bg1"/>
+          </a:solidFill>
+          <a:ln>
+            <a:solidFill>
+              <a:schemeClr val="tx1"/>
+            </a:solidFill>
+          </a:ln>
+        </p:spPr>
+        <p:txBody>
+          <a:bodyPr wrap="square" rtlCol="0">
+            <a:spAutoFit/>
+          </a:bodyPr>
+          <a:lstStyle/>
+          <a:p>
+            <a:pPr algn="ctr"/>
+            <a:r>
+              <a:rPr lang="en-CA" sz="1400" dirty="0"/>
+              <a:t>Action: </a:t>
+            </a:r>
+          </a:p>
+          <a:p>
+            <a:pPr algn="ctr"/>
+            <a:r>
+              <a:rPr lang="en-CA" sz="1400" dirty="0"/>
+              <a:t>FETCH_TODOS_SUCCESS</a:t>
+            </a:r>
+          </a:p>
+        </p:txBody>
+      </p:sp>
+      <p:cxnSp>
+        <p:nvCxnSpPr>
+          <p:cNvPr id="23" name="Straight Arrow Connector 22">
+            <a:extLst>
+              <a:ext uri="{FF2B5EF4-FFF2-40B4-BE49-F238E27FC236}">
+                <a16:creationId xmlns:a16="http://schemas.microsoft.com/office/drawing/2014/main" id="{67D76307-A1CC-2CE2-8CCA-DB904ACD30BD}"/>
+              </a:ext>
+            </a:extLst>
+          </p:cNvPr>
+          <p:cNvCxnSpPr>
+            <a:cxnSpLocks/>
+            <a:stCxn id="22" idx="0"/>
+            <a:endCxn id="16" idx="2"/>
+          </p:cNvCxnSpPr>
+          <p:nvPr/>
+        </p:nvCxnSpPr>
+        <p:spPr>
+          <a:xfrm flipV="1">
+            <a:off x="1311071" y="6450061"/>
+            <a:ext cx="1439726" cy="203833"/>
+          </a:xfrm>
+          <a:prstGeom prst="straightConnector1">
+            <a:avLst/>
+          </a:prstGeom>
+          <a:ln w="28575">
+            <a:solidFill>
+              <a:schemeClr val="tx1"/>
+            </a:solidFill>
+            <a:tailEnd type="triangle"/>
+          </a:ln>
+        </p:spPr>
+        <p:style>
+          <a:lnRef idx="1">
+            <a:schemeClr val="accent1"/>
+          </a:lnRef>
+          <a:fillRef idx="0">
+            <a:schemeClr val="accent1"/>
+          </a:fillRef>
+          <a:effectRef idx="0">
+            <a:schemeClr val="accent1"/>
+          </a:effectRef>
+          <a:fontRef idx="minor">
+            <a:schemeClr val="tx1"/>
+          </a:fontRef>
+        </p:style>
+      </p:cxnSp>
+      <p:sp>
+        <p:nvSpPr>
+          <p:cNvPr id="25" name="TextBox 24">
+            <a:extLst>
+              <a:ext uri="{FF2B5EF4-FFF2-40B4-BE49-F238E27FC236}">
+                <a16:creationId xmlns:a16="http://schemas.microsoft.com/office/drawing/2014/main" id="{69030411-369E-BCF2-1C92-4F7F631C75B0}"/>
+              </a:ext>
+            </a:extLst>
+          </p:cNvPr>
+          <p:cNvSpPr txBox="1"/>
+          <p:nvPr/>
+        </p:nvSpPr>
+        <p:spPr>
+          <a:xfrm>
+            <a:off x="974623" y="5129618"/>
+            <a:ext cx="2293894" cy="369332"/>
+          </a:xfrm>
+          <a:prstGeom prst="rect">
+            <a:avLst/>
+          </a:prstGeom>
+          <a:solidFill>
+            <a:schemeClr val="bg1"/>
+          </a:solidFill>
+          <a:ln>
+            <a:solidFill>
+              <a:schemeClr val="tx1"/>
+            </a:solidFill>
+          </a:ln>
+        </p:spPr>
+        <p:txBody>
+          <a:bodyPr wrap="square" rtlCol="0">
+            <a:spAutoFit/>
+          </a:bodyPr>
+          <a:lstStyle/>
+          <a:p>
+            <a:pPr algn="ctr"/>
+            <a:r>
+              <a:rPr lang="en-CA" dirty="0"/>
+              <a:t>fetchTodosEffect$</a:t>
+            </a:r>
+          </a:p>
+        </p:txBody>
+      </p:sp>
+    </p:spTree>
+    <p:extLst>
+      <p:ext uri="{BB962C8B-B14F-4D97-AF65-F5344CB8AC3E}">
+        <p14:creationId xmlns:p14="http://schemas.microsoft.com/office/powerpoint/2010/main" val="422110913"/>
+      </p:ext>
+    </p:extLst>
+  </p:cSld>
+  <p:clrMapOvr>
+    <a:masterClrMapping/>
+  </p:clrMapOvr>
+</p:sld>
+</file>
+
+<file path=ppt/slides/slide4.xml><?xml version="1.0" encoding="utf-8"?>
+<p:sld xmlns:a="http://schemas.openxmlformats.org/drawingml/2006/main" xmlns:r="http://schemas.openxmlformats.org/officeDocument/2006/relationships" xmlns:p="http://schemas.openxmlformats.org/presentationml/2006/main">
+  <p:cSld>
+    <p:spTree>
+      <p:nvGrpSpPr>
+        <p:cNvPr id="1" name=""/>
+        <p:cNvGrpSpPr/>
+        <p:nvPr/>
+      </p:nvGrpSpPr>
+      <p:grpSpPr>
+        <a:xfrm>
+          <a:off x="0" y="0"/>
+          <a:ext cx="0" cy="0"/>
+          <a:chOff x="0" y="0"/>
+          <a:chExt cx="0" cy="0"/>
+        </a:xfrm>
+      </p:grpSpPr>
       <p:pic>
         <p:nvPicPr>
-          <p:cNvPr id="22" name="Picture 21" descr="A black circle with a white background&#10;&#10;Description automatically generated">
+          <p:cNvPr id="2" name="Picture 1" descr="A blue circle with a white background&#10;&#10;Description automatically generated">
             <a:extLst>
               <a:ext uri="{FF2B5EF4-FFF2-40B4-BE49-F238E27FC236}">
-                <a16:creationId xmlns:a16="http://schemas.microsoft.com/office/drawing/2014/main" id="{25700965-06E7-9FA3-AA26-EE0FAEA044C4}"/>
+                <a16:creationId xmlns:a16="http://schemas.microsoft.com/office/drawing/2014/main" id="{7A07F086-5002-2088-832F-6D714F53AB92}"/>
               </a:ext>
             </a:extLst>
           </p:cNvPr>
@@ -4774,7 +4805,7 @@
           <p:nvPr/>
         </p:nvPicPr>
         <p:blipFill>
-          <a:blip r:embed="rId3">
+          <a:blip r:embed="rId2">
             <a:extLst>
               <a:ext uri="{28A0092B-C50C-407E-A947-70E740481C1C}">
                 <a14:useLocalDpi xmlns:a14="http://schemas.microsoft.com/office/drawing/2010/main" val="0"/>
@@ -4787,20 +4818,109 @@
         </p:blipFill>
         <p:spPr>
           <a:xfrm>
-            <a:off x="1803399" y="3295436"/>
-            <a:ext cx="939077" cy="1206714"/>
+            <a:off x="295814" y="351285"/>
+            <a:ext cx="6326070" cy="8007474"/>
           </a:xfrm>
           <a:prstGeom prst="rect">
             <a:avLst/>
           </a:prstGeom>
         </p:spPr>
       </p:pic>
+      <p:sp>
+        <p:nvSpPr>
+          <p:cNvPr id="49" name="TextBox 48">
+            <a:extLst>
+              <a:ext uri="{FF2B5EF4-FFF2-40B4-BE49-F238E27FC236}">
+                <a16:creationId xmlns:a16="http://schemas.microsoft.com/office/drawing/2014/main" id="{8CC3D666-4431-4346-D065-C66B2ADAB2DA}"/>
+              </a:ext>
+            </a:extLst>
+          </p:cNvPr>
+          <p:cNvSpPr txBox="1"/>
+          <p:nvPr/>
+        </p:nvSpPr>
+        <p:spPr>
+          <a:xfrm>
+            <a:off x="1348826" y="8109164"/>
+            <a:ext cx="4220049" cy="646331"/>
+          </a:xfrm>
+          <a:prstGeom prst="rect">
+            <a:avLst/>
+          </a:prstGeom>
+          <a:solidFill>
+            <a:schemeClr val="bg1"/>
+          </a:solidFill>
+          <a:ln w="38100">
+            <a:solidFill>
+              <a:schemeClr val="tx1"/>
+            </a:solidFill>
+          </a:ln>
+        </p:spPr>
+        <p:txBody>
+          <a:bodyPr wrap="square" rtlCol="0">
+            <a:spAutoFit/>
+          </a:bodyPr>
+          <a:lstStyle/>
+          <a:p>
+            <a:pPr algn="ctr"/>
+            <a:r>
+              <a:rPr lang="en-CA" sz="3600" b="1" dirty="0"/>
+              <a:t>[state$, actions]</a:t>
+            </a:r>
+          </a:p>
+        </p:txBody>
+      </p:sp>
+      <p:sp>
+        <p:nvSpPr>
+          <p:cNvPr id="47" name="Arrow: Down 46">
+            <a:extLst>
+              <a:ext uri="{FF2B5EF4-FFF2-40B4-BE49-F238E27FC236}">
+                <a16:creationId xmlns:a16="http://schemas.microsoft.com/office/drawing/2014/main" id="{4EDB5ADD-5A88-8672-F546-2CFAA9C1A941}"/>
+              </a:ext>
+            </a:extLst>
+          </p:cNvPr>
+          <p:cNvSpPr/>
+          <p:nvPr/>
+        </p:nvSpPr>
+        <p:spPr>
+          <a:xfrm>
+            <a:off x="4384462" y="3670193"/>
+            <a:ext cx="744760" cy="3644900"/>
+          </a:xfrm>
+          <a:prstGeom prst="downArrow">
+            <a:avLst/>
+          </a:prstGeom>
+        </p:spPr>
+        <p:style>
+          <a:lnRef idx="2">
+            <a:schemeClr val="accent1">
+              <a:shade val="15000"/>
+            </a:schemeClr>
+          </a:lnRef>
+          <a:fillRef idx="1">
+            <a:schemeClr val="accent1"/>
+          </a:fillRef>
+          <a:effectRef idx="0">
+            <a:schemeClr val="accent1"/>
+          </a:effectRef>
+          <a:fontRef idx="minor">
+            <a:schemeClr val="lt1"/>
+          </a:fontRef>
+        </p:style>
+        <p:txBody>
+          <a:bodyPr rtlCol="0" anchor="ctr"/>
+          <a:lstStyle/>
+          <a:p>
+            <a:pPr algn="ctr"/>
+            <a:endParaRPr lang="en-CA"/>
+          </a:p>
+        </p:txBody>
+      </p:sp>
       <p:pic>
         <p:nvPicPr>
-          <p:cNvPr id="23" name="Picture 22" descr="A black circle with a white background&#10;&#10;Description automatically generated">
+          <p:cNvPr id="8" name="Picture 7">
             <a:extLst>
               <a:ext uri="{FF2B5EF4-FFF2-40B4-BE49-F238E27FC236}">
-                <a16:creationId xmlns:a16="http://schemas.microsoft.com/office/drawing/2014/main" id="{8B06786C-4017-8B79-062C-C03477C3F2CA}"/>
+                <a16:creationId xmlns:a16="http://schemas.microsoft.com/office/drawing/2014/main" id="{194A678C-5573-1A3A-131A-1AFE1739A816}"/>
               </a:ext>
             </a:extLst>
           </p:cNvPr>
@@ -4810,21 +4930,15 @@
           <p:nvPr/>
         </p:nvPicPr>
         <p:blipFill>
-          <a:blip r:embed="rId3">
-            <a:extLst>
-              <a:ext uri="{28A0092B-C50C-407E-A947-70E740481C1C}">
-                <a14:useLocalDpi xmlns:a14="http://schemas.microsoft.com/office/drawing/2010/main" val="0"/>
-              </a:ext>
-            </a:extLst>
-          </a:blip>
+          <a:blip r:embed="rId3"/>
           <a:stretch>
             <a:fillRect/>
           </a:stretch>
         </p:blipFill>
         <p:spPr>
           <a:xfrm>
-            <a:off x="2989310" y="3295436"/>
-            <a:ext cx="939077" cy="1206714"/>
+            <a:off x="1792538" y="3334007"/>
+            <a:ext cx="949937" cy="1172088"/>
           </a:xfrm>
           <a:prstGeom prst="rect">
             <a:avLst/>
@@ -4833,10 +4947,10 @@
       </p:pic>
       <p:pic>
         <p:nvPicPr>
-          <p:cNvPr id="24" name="Picture 23" descr="A black circle with a white background&#10;&#10;Description automatically generated">
+          <p:cNvPr id="11" name="Picture 10">
             <a:extLst>
               <a:ext uri="{FF2B5EF4-FFF2-40B4-BE49-F238E27FC236}">
-                <a16:creationId xmlns:a16="http://schemas.microsoft.com/office/drawing/2014/main" id="{42EF29B7-0FAE-148C-B734-7BF7A88B9980}"/>
+                <a16:creationId xmlns:a16="http://schemas.microsoft.com/office/drawing/2014/main" id="{33DA9A1E-46D8-DA6B-402C-072D815A91A7}"/>
               </a:ext>
             </a:extLst>
           </p:cNvPr>
@@ -4846,21 +4960,15 @@
           <p:nvPr/>
         </p:nvPicPr>
         <p:blipFill>
-          <a:blip r:embed="rId3">
-            <a:extLst>
-              <a:ext uri="{28A0092B-C50C-407E-A947-70E740481C1C}">
-                <a14:useLocalDpi xmlns:a14="http://schemas.microsoft.com/office/drawing/2010/main" val="0"/>
-              </a:ext>
-            </a:extLst>
-          </a:blip>
+          <a:blip r:embed="rId3"/>
           <a:stretch>
             <a:fillRect/>
           </a:stretch>
         </p:blipFill>
         <p:spPr>
           <a:xfrm>
-            <a:off x="1803398" y="4889286"/>
-            <a:ext cx="939077" cy="1206714"/>
+            <a:off x="2983878" y="3337557"/>
+            <a:ext cx="949937" cy="1172088"/>
           </a:xfrm>
           <a:prstGeom prst="rect">
             <a:avLst/>
@@ -4869,10 +4977,10 @@
       </p:pic>
       <p:pic>
         <p:nvPicPr>
-          <p:cNvPr id="25" name="Picture 24" descr="A black circle with a white background&#10;&#10;Description automatically generated">
+          <p:cNvPr id="12" name="Picture 11">
             <a:extLst>
               <a:ext uri="{FF2B5EF4-FFF2-40B4-BE49-F238E27FC236}">
-                <a16:creationId xmlns:a16="http://schemas.microsoft.com/office/drawing/2014/main" id="{B07851F4-6B9B-0255-F0C9-97FB951AE3AF}"/>
+                <a16:creationId xmlns:a16="http://schemas.microsoft.com/office/drawing/2014/main" id="{33A5EB34-60BF-2C51-C78B-1993BF6E9492}"/>
               </a:ext>
             </a:extLst>
           </p:cNvPr>
@@ -4882,57 +4990,15 @@
           <p:nvPr/>
         </p:nvPicPr>
         <p:blipFill>
-          <a:blip r:embed="rId3">
-            <a:extLst>
-              <a:ext uri="{28A0092B-C50C-407E-A947-70E740481C1C}">
-                <a14:useLocalDpi xmlns:a14="http://schemas.microsoft.com/office/drawing/2010/main" val="0"/>
-              </a:ext>
-            </a:extLst>
-          </a:blip>
+          <a:blip r:embed="rId3"/>
           <a:stretch>
             <a:fillRect/>
           </a:stretch>
         </p:blipFill>
         <p:spPr>
           <a:xfrm>
-            <a:off x="3054348" y="4889286"/>
-            <a:ext cx="939077" cy="1206714"/>
-          </a:xfrm>
-          <a:prstGeom prst="rect">
-            <a:avLst/>
-          </a:prstGeom>
-        </p:spPr>
-      </p:pic>
-      <p:pic>
-        <p:nvPicPr>
-          <p:cNvPr id="26" name="Picture 25" descr="A black circle with a white background&#10;&#10;Description automatically generated">
-            <a:extLst>
-              <a:ext uri="{FF2B5EF4-FFF2-40B4-BE49-F238E27FC236}">
-                <a16:creationId xmlns:a16="http://schemas.microsoft.com/office/drawing/2014/main" id="{D41C6446-8327-FAFA-1A0C-A472B19625D2}"/>
-              </a:ext>
-            </a:extLst>
-          </p:cNvPr>
-          <p:cNvPicPr>
-            <a:picLocks noChangeAspect="1"/>
-          </p:cNvPicPr>
-          <p:nvPr/>
-        </p:nvPicPr>
-        <p:blipFill>
-          <a:blip r:embed="rId3">
-            <a:extLst>
-              <a:ext uri="{28A0092B-C50C-407E-A947-70E740481C1C}">
-                <a14:useLocalDpi xmlns:a14="http://schemas.microsoft.com/office/drawing/2010/main" val="0"/>
-              </a:ext>
-            </a:extLst>
-          </a:blip>
-          <a:stretch>
-            <a:fillRect/>
-          </a:stretch>
-        </p:blipFill>
-        <p:spPr>
-          <a:xfrm>
-            <a:off x="2489923" y="6337087"/>
-            <a:ext cx="939077" cy="1206714"/>
+            <a:off x="1784215" y="4940983"/>
+            <a:ext cx="949937" cy="1172088"/>
           </a:xfrm>
           <a:prstGeom prst="rect">
             <a:avLst/>
@@ -4980,6 +5046,181 @@
           </a:fontRef>
         </p:style>
       </p:cxnSp>
+      <p:sp>
+        <p:nvSpPr>
+          <p:cNvPr id="41" name="Oval 40">
+            <a:extLst>
+              <a:ext uri="{FF2B5EF4-FFF2-40B4-BE49-F238E27FC236}">
+                <a16:creationId xmlns:a16="http://schemas.microsoft.com/office/drawing/2014/main" id="{F09EBDB1-FB3F-BD47-CF4D-F23288AF4D2B}"/>
+              </a:ext>
+            </a:extLst>
+          </p:cNvPr>
+          <p:cNvSpPr/>
+          <p:nvPr/>
+        </p:nvSpPr>
+        <p:spPr>
+          <a:xfrm>
+            <a:off x="2160446" y="4615055"/>
+            <a:ext cx="224979" cy="224979"/>
+          </a:xfrm>
+          <a:prstGeom prst="ellipse">
+            <a:avLst/>
+          </a:prstGeom>
+          <a:solidFill>
+            <a:schemeClr val="accent6">
+              <a:lumMod val="40000"/>
+              <a:lumOff val="60000"/>
+            </a:schemeClr>
+          </a:solidFill>
+        </p:spPr>
+        <p:style>
+          <a:lnRef idx="2">
+            <a:schemeClr val="accent1">
+              <a:shade val="15000"/>
+            </a:schemeClr>
+          </a:lnRef>
+          <a:fillRef idx="1">
+            <a:schemeClr val="accent1"/>
+          </a:fillRef>
+          <a:effectRef idx="0">
+            <a:schemeClr val="accent1"/>
+          </a:effectRef>
+          <a:fontRef idx="minor">
+            <a:schemeClr val="lt1"/>
+          </a:fontRef>
+        </p:style>
+        <p:txBody>
+          <a:bodyPr rtlCol="0" anchor="ctr"/>
+          <a:lstStyle/>
+          <a:p>
+            <a:pPr algn="ctr"/>
+            <a:endParaRPr lang="en-CA"/>
+          </a:p>
+        </p:txBody>
+      </p:sp>
+      <p:cxnSp>
+        <p:nvCxnSpPr>
+          <p:cNvPr id="32" name="Straight Arrow Connector 31">
+            <a:extLst>
+              <a:ext uri="{FF2B5EF4-FFF2-40B4-BE49-F238E27FC236}">
+                <a16:creationId xmlns:a16="http://schemas.microsoft.com/office/drawing/2014/main" id="{8D427C8F-88B7-F696-EB96-0D52D02079FC}"/>
+              </a:ext>
+            </a:extLst>
+          </p:cNvPr>
+          <p:cNvCxnSpPr>
+            <a:cxnSpLocks/>
+          </p:cNvCxnSpPr>
+          <p:nvPr/>
+        </p:nvCxnSpPr>
+        <p:spPr>
+          <a:xfrm flipH="1">
+            <a:off x="2348564" y="4502150"/>
+            <a:ext cx="1110285" cy="565363"/>
+          </a:xfrm>
+          <a:prstGeom prst="straightConnector1">
+            <a:avLst/>
+          </a:prstGeom>
+          <a:ln>
+            <a:tailEnd type="triangle"/>
+          </a:ln>
+        </p:spPr>
+        <p:style>
+          <a:lnRef idx="2">
+            <a:schemeClr val="accent1"/>
+          </a:lnRef>
+          <a:fillRef idx="0">
+            <a:schemeClr val="accent1"/>
+          </a:fillRef>
+          <a:effectRef idx="1">
+            <a:schemeClr val="accent1"/>
+          </a:effectRef>
+          <a:fontRef idx="minor">
+            <a:schemeClr val="tx1"/>
+          </a:fontRef>
+        </p:style>
+      </p:cxnSp>
+      <p:sp>
+        <p:nvSpPr>
+          <p:cNvPr id="42" name="Oval 41">
+            <a:extLst>
+              <a:ext uri="{FF2B5EF4-FFF2-40B4-BE49-F238E27FC236}">
+                <a16:creationId xmlns:a16="http://schemas.microsoft.com/office/drawing/2014/main" id="{CF551712-D082-F422-3093-7E9DAFDFCBAA}"/>
+              </a:ext>
+            </a:extLst>
+          </p:cNvPr>
+          <p:cNvSpPr/>
+          <p:nvPr/>
+        </p:nvSpPr>
+        <p:spPr>
+          <a:xfrm>
+            <a:off x="2774077" y="4672342"/>
+            <a:ext cx="224979" cy="224979"/>
+          </a:xfrm>
+          <a:prstGeom prst="ellipse">
+            <a:avLst/>
+          </a:prstGeom>
+          <a:solidFill>
+            <a:schemeClr val="accent2">
+              <a:lumMod val="60000"/>
+              <a:lumOff val="40000"/>
+            </a:schemeClr>
+          </a:solidFill>
+        </p:spPr>
+        <p:style>
+          <a:lnRef idx="2">
+            <a:schemeClr val="accent1">
+              <a:shade val="15000"/>
+            </a:schemeClr>
+          </a:lnRef>
+          <a:fillRef idx="1">
+            <a:schemeClr val="accent1"/>
+          </a:fillRef>
+          <a:effectRef idx="0">
+            <a:schemeClr val="accent1"/>
+          </a:effectRef>
+          <a:fontRef idx="minor">
+            <a:schemeClr val="lt1"/>
+          </a:fontRef>
+        </p:style>
+        <p:txBody>
+          <a:bodyPr rtlCol="0" anchor="ctr"/>
+          <a:lstStyle/>
+          <a:p>
+            <a:pPr algn="ctr"/>
+            <a:endParaRPr lang="en-CA" dirty="0"/>
+          </a:p>
+        </p:txBody>
+      </p:sp>
+      <p:pic>
+        <p:nvPicPr>
+          <p:cNvPr id="13" name="Picture 12">
+            <a:extLst>
+              <a:ext uri="{FF2B5EF4-FFF2-40B4-BE49-F238E27FC236}">
+                <a16:creationId xmlns:a16="http://schemas.microsoft.com/office/drawing/2014/main" id="{3D42FB6C-4997-E975-4B0F-2178A9807262}"/>
+              </a:ext>
+            </a:extLst>
+          </p:cNvPr>
+          <p:cNvPicPr>
+            <a:picLocks noChangeAspect="1"/>
+          </p:cNvPicPr>
+          <p:nvPr/>
+        </p:nvPicPr>
+        <p:blipFill>
+          <a:blip r:embed="rId3"/>
+          <a:stretch>
+            <a:fillRect/>
+          </a:stretch>
+        </p:blipFill>
+        <p:spPr>
+          <a:xfrm>
+            <a:off x="2983878" y="4940983"/>
+            <a:ext cx="949937" cy="1172088"/>
+          </a:xfrm>
+          <a:prstGeom prst="rect">
+            <a:avLst/>
+          </a:prstGeom>
+        </p:spPr>
+      </p:pic>
       <p:cxnSp>
         <p:nvCxnSpPr>
           <p:cNvPr id="29" name="Straight Arrow Connector 28">
@@ -4991,7 +5232,6 @@
           </p:cNvPr>
           <p:cNvCxnSpPr>
             <a:cxnSpLocks/>
-            <a:stCxn id="23" idx="2"/>
           </p:cNvCxnSpPr>
           <p:nvPr/>
         </p:nvCxnSpPr>
@@ -5022,48 +5262,85 @@
           </a:fontRef>
         </p:style>
       </p:cxnSp>
-      <p:cxnSp>
-        <p:nvCxnSpPr>
-          <p:cNvPr id="32" name="Straight Arrow Connector 31">
+      <p:sp>
+        <p:nvSpPr>
+          <p:cNvPr id="43" name="Oval 42">
             <a:extLst>
               <a:ext uri="{FF2B5EF4-FFF2-40B4-BE49-F238E27FC236}">
-                <a16:creationId xmlns:a16="http://schemas.microsoft.com/office/drawing/2014/main" id="{8D427C8F-88B7-F696-EB96-0D52D02079FC}"/>
+                <a16:creationId xmlns:a16="http://schemas.microsoft.com/office/drawing/2014/main" id="{8EBA08AC-A27B-D1E9-4F5F-F1954E576123}"/>
               </a:ext>
             </a:extLst>
           </p:cNvPr>
-          <p:cNvCxnSpPr>
-            <a:cxnSpLocks/>
-            <a:stCxn id="23" idx="2"/>
-          </p:cNvCxnSpPr>
+          <p:cNvSpPr/>
           <p:nvPr/>
-        </p:nvCxnSpPr>
-        <p:spPr>
-          <a:xfrm flipH="1">
-            <a:off x="2348564" y="4502150"/>
-            <a:ext cx="1110285" cy="565363"/>
-          </a:xfrm>
-          <a:prstGeom prst="straightConnector1">
+        </p:nvSpPr>
+        <p:spPr>
+          <a:xfrm>
+            <a:off x="3346358" y="4680259"/>
+            <a:ext cx="224979" cy="224979"/>
+          </a:xfrm>
+          <a:prstGeom prst="ellipse">
             <a:avLst/>
           </a:prstGeom>
-          <a:ln>
-            <a:tailEnd type="triangle"/>
-          </a:ln>
+          <a:solidFill>
+            <a:srgbClr val="FFFF00"/>
+          </a:solidFill>
         </p:spPr>
         <p:style>
           <a:lnRef idx="2">
-            <a:schemeClr val="accent1"/>
+            <a:schemeClr val="accent1">
+              <a:shade val="15000"/>
+            </a:schemeClr>
           </a:lnRef>
-          <a:fillRef idx="0">
+          <a:fillRef idx="1">
             <a:schemeClr val="accent1"/>
           </a:fillRef>
-          <a:effectRef idx="1">
+          <a:effectRef idx="0">
             <a:schemeClr val="accent1"/>
           </a:effectRef>
           <a:fontRef idx="minor">
-            <a:schemeClr val="tx1"/>
+            <a:schemeClr val="lt1"/>
           </a:fontRef>
         </p:style>
-      </p:cxnSp>
+        <p:txBody>
+          <a:bodyPr rtlCol="0" anchor="ctr"/>
+          <a:lstStyle/>
+          <a:p>
+            <a:pPr algn="ctr"/>
+            <a:endParaRPr lang="en-CA"/>
+          </a:p>
+        </p:txBody>
+      </p:sp>
+      <p:pic>
+        <p:nvPicPr>
+          <p:cNvPr id="14" name="Picture 13">
+            <a:extLst>
+              <a:ext uri="{FF2B5EF4-FFF2-40B4-BE49-F238E27FC236}">
+                <a16:creationId xmlns:a16="http://schemas.microsoft.com/office/drawing/2014/main" id="{40238D14-29CD-45E8-9423-20B4E02645B4}"/>
+              </a:ext>
+            </a:extLst>
+          </p:cNvPr>
+          <p:cNvPicPr>
+            <a:picLocks noChangeAspect="1"/>
+          </p:cNvPicPr>
+          <p:nvPr/>
+        </p:nvPicPr>
+        <p:blipFill>
+          <a:blip r:embed="rId3"/>
+          <a:stretch>
+            <a:fillRect/>
+          </a:stretch>
+        </p:blipFill>
+        <p:spPr>
+          <a:xfrm>
+            <a:off x="2552994" y="6323829"/>
+            <a:ext cx="949937" cy="1172088"/>
+          </a:xfrm>
+          <a:prstGeom prst="rect">
+            <a:avLst/>
+          </a:prstGeom>
+        </p:spPr>
+      </p:pic>
       <p:cxnSp>
         <p:nvCxnSpPr>
           <p:cNvPr id="38" name="Straight Arrow Connector 37">
@@ -5107,159 +5384,6 @@
       </p:cxnSp>
       <p:sp>
         <p:nvSpPr>
-          <p:cNvPr id="41" name="Oval 40">
-            <a:extLst>
-              <a:ext uri="{FF2B5EF4-FFF2-40B4-BE49-F238E27FC236}">
-                <a16:creationId xmlns:a16="http://schemas.microsoft.com/office/drawing/2014/main" id="{F09EBDB1-FB3F-BD47-CF4D-F23288AF4D2B}"/>
-              </a:ext>
-            </a:extLst>
-          </p:cNvPr>
-          <p:cNvSpPr/>
-          <p:nvPr/>
-        </p:nvSpPr>
-        <p:spPr>
-          <a:xfrm>
-            <a:off x="2160446" y="4615055"/>
-            <a:ext cx="224979" cy="224979"/>
-          </a:xfrm>
-          <a:prstGeom prst="ellipse">
-            <a:avLst/>
-          </a:prstGeom>
-          <a:solidFill>
-            <a:schemeClr val="accent6">
-              <a:lumMod val="40000"/>
-              <a:lumOff val="60000"/>
-            </a:schemeClr>
-          </a:solidFill>
-        </p:spPr>
-        <p:style>
-          <a:lnRef idx="2">
-            <a:schemeClr val="accent1">
-              <a:shade val="15000"/>
-            </a:schemeClr>
-          </a:lnRef>
-          <a:fillRef idx="1">
-            <a:schemeClr val="accent1"/>
-          </a:fillRef>
-          <a:effectRef idx="0">
-            <a:schemeClr val="accent1"/>
-          </a:effectRef>
-          <a:fontRef idx="minor">
-            <a:schemeClr val="lt1"/>
-          </a:fontRef>
-        </p:style>
-        <p:txBody>
-          <a:bodyPr rtlCol="0" anchor="ctr"/>
-          <a:lstStyle/>
-          <a:p>
-            <a:pPr algn="ctr"/>
-            <a:endParaRPr lang="en-CA"/>
-          </a:p>
-        </p:txBody>
-      </p:sp>
-      <p:sp>
-        <p:nvSpPr>
-          <p:cNvPr id="42" name="Oval 41">
-            <a:extLst>
-              <a:ext uri="{FF2B5EF4-FFF2-40B4-BE49-F238E27FC236}">
-                <a16:creationId xmlns:a16="http://schemas.microsoft.com/office/drawing/2014/main" id="{CF551712-D082-F422-3093-7E9DAFDFCBAA}"/>
-              </a:ext>
-            </a:extLst>
-          </p:cNvPr>
-          <p:cNvSpPr/>
-          <p:nvPr/>
-        </p:nvSpPr>
-        <p:spPr>
-          <a:xfrm>
-            <a:off x="2774077" y="4672342"/>
-            <a:ext cx="224979" cy="224979"/>
-          </a:xfrm>
-          <a:prstGeom prst="ellipse">
-            <a:avLst/>
-          </a:prstGeom>
-          <a:solidFill>
-            <a:schemeClr val="accent2">
-              <a:lumMod val="60000"/>
-              <a:lumOff val="40000"/>
-            </a:schemeClr>
-          </a:solidFill>
-        </p:spPr>
-        <p:style>
-          <a:lnRef idx="2">
-            <a:schemeClr val="accent1">
-              <a:shade val="15000"/>
-            </a:schemeClr>
-          </a:lnRef>
-          <a:fillRef idx="1">
-            <a:schemeClr val="accent1"/>
-          </a:fillRef>
-          <a:effectRef idx="0">
-            <a:schemeClr val="accent1"/>
-          </a:effectRef>
-          <a:fontRef idx="minor">
-            <a:schemeClr val="lt1"/>
-          </a:fontRef>
-        </p:style>
-        <p:txBody>
-          <a:bodyPr rtlCol="0" anchor="ctr"/>
-          <a:lstStyle/>
-          <a:p>
-            <a:pPr algn="ctr"/>
-            <a:endParaRPr lang="en-CA" dirty="0"/>
-          </a:p>
-        </p:txBody>
-      </p:sp>
-      <p:sp>
-        <p:nvSpPr>
-          <p:cNvPr id="43" name="Oval 42">
-            <a:extLst>
-              <a:ext uri="{FF2B5EF4-FFF2-40B4-BE49-F238E27FC236}">
-                <a16:creationId xmlns:a16="http://schemas.microsoft.com/office/drawing/2014/main" id="{8EBA08AC-A27B-D1E9-4F5F-F1954E576123}"/>
-              </a:ext>
-            </a:extLst>
-          </p:cNvPr>
-          <p:cNvSpPr/>
-          <p:nvPr/>
-        </p:nvSpPr>
-        <p:spPr>
-          <a:xfrm>
-            <a:off x="3346358" y="4680259"/>
-            <a:ext cx="224979" cy="224979"/>
-          </a:xfrm>
-          <a:prstGeom prst="ellipse">
-            <a:avLst/>
-          </a:prstGeom>
-          <a:solidFill>
-            <a:srgbClr val="FFFF00"/>
-          </a:solidFill>
-        </p:spPr>
-        <p:style>
-          <a:lnRef idx="2">
-            <a:schemeClr val="accent1">
-              <a:shade val="15000"/>
-            </a:schemeClr>
-          </a:lnRef>
-          <a:fillRef idx="1">
-            <a:schemeClr val="accent1"/>
-          </a:fillRef>
-          <a:effectRef idx="0">
-            <a:schemeClr val="accent1"/>
-          </a:effectRef>
-          <a:fontRef idx="minor">
-            <a:schemeClr val="lt1"/>
-          </a:fontRef>
-        </p:style>
-        <p:txBody>
-          <a:bodyPr rtlCol="0" anchor="ctr"/>
-          <a:lstStyle/>
-          <a:p>
-            <a:pPr algn="ctr"/>
-            <a:endParaRPr lang="en-CA"/>
-          </a:p>
-        </p:txBody>
-      </p:sp>
-      <p:sp>
-        <p:nvSpPr>
           <p:cNvPr id="44" name="Oval 43">
             <a:extLst>
               <a:ext uri="{FF2B5EF4-FFF2-40B4-BE49-F238E27FC236}">
@@ -5284,52 +5408,6 @@
               <a:lumOff val="60000"/>
             </a:schemeClr>
           </a:solidFill>
-        </p:spPr>
-        <p:style>
-          <a:lnRef idx="2">
-            <a:schemeClr val="accent1">
-              <a:shade val="15000"/>
-            </a:schemeClr>
-          </a:lnRef>
-          <a:fillRef idx="1">
-            <a:schemeClr val="accent1"/>
-          </a:fillRef>
-          <a:effectRef idx="0">
-            <a:schemeClr val="accent1"/>
-          </a:effectRef>
-          <a:fontRef idx="minor">
-            <a:schemeClr val="lt1"/>
-          </a:fontRef>
-        </p:style>
-        <p:txBody>
-          <a:bodyPr rtlCol="0" anchor="ctr"/>
-          <a:lstStyle/>
-          <a:p>
-            <a:pPr algn="ctr"/>
-            <a:endParaRPr lang="en-CA"/>
-          </a:p>
-        </p:txBody>
-      </p:sp>
-      <p:sp>
-        <p:nvSpPr>
-          <p:cNvPr id="47" name="Arrow: Down 46">
-            <a:extLst>
-              <a:ext uri="{FF2B5EF4-FFF2-40B4-BE49-F238E27FC236}">
-                <a16:creationId xmlns:a16="http://schemas.microsoft.com/office/drawing/2014/main" id="{4EDB5ADD-5A88-8672-F546-2CFAA9C1A941}"/>
-              </a:ext>
-            </a:extLst>
-          </p:cNvPr>
-          <p:cNvSpPr/>
-          <p:nvPr/>
-        </p:nvSpPr>
-        <p:spPr>
-          <a:xfrm>
-            <a:off x="4384462" y="3670193"/>
-            <a:ext cx="744760" cy="3644900"/>
-          </a:xfrm>
-          <a:prstGeom prst="downArrow">
-            <a:avLst/>
-          </a:prstGeom>
         </p:spPr>
         <p:style>
           <a:lnRef idx="2">
